--- a/2025/2025-02-21-AI-Updates.pptx
+++ b/2025/2025-02-21-AI-Updates.pptx
@@ -962,7 +962,7 @@
   <p:cSld>
     <p:spTree>
       <p:nvGrpSpPr>
-        <p:cNvPr id="1" name="Shape 143"/>
+        <p:cNvPr id="1" name="Shape 151"/>
         <p:cNvGrpSpPr/>
         <p:nvPr/>
       </p:nvGrpSpPr>
@@ -976,7 +976,7 @@
       </p:grpSpPr>
       <p:sp>
         <p:nvSpPr>
-          <p:cNvPr id="144" name="Google Shape;144;g2f03ac7ac9f_0_5:notes"/>
+          <p:cNvPr id="152" name="Google Shape;152;g2f03ac7ac9f_0_5:notes"/>
           <p:cNvSpPr>
             <a:spLocks noGrp="1" noRot="1" noChangeAspect="1"/>
           </p:cNvSpPr>
@@ -1027,7 +1027,7 @@
       </p:sp>
       <p:sp>
         <p:nvSpPr>
-          <p:cNvPr id="145" name="Google Shape;145;g2f03ac7ac9f_0_5:notes"/>
+          <p:cNvPr id="153" name="Google Shape;153;g2f03ac7ac9f_0_5:notes"/>
           <p:cNvSpPr txBox="1">
             <a:spLocks noGrp="1"/>
           </p:cNvSpPr>
@@ -1084,7 +1084,7 @@
   <p:cSld>
     <p:spTree>
       <p:nvGrpSpPr>
-        <p:cNvPr id="1" name="Shape 202"/>
+        <p:cNvPr id="1" name="Shape 210"/>
         <p:cNvGrpSpPr/>
         <p:nvPr/>
       </p:nvGrpSpPr>
@@ -1098,7 +1098,7 @@
       </p:grpSpPr>
       <p:sp>
         <p:nvSpPr>
-          <p:cNvPr id="203" name="Google Shape;203;g2d89691d4b1_3_0:notes"/>
+          <p:cNvPr id="211" name="Google Shape;211;g2d89691d4b1_3_0:notes"/>
           <p:cNvSpPr>
             <a:spLocks noGrp="1" noRot="1" noChangeAspect="1"/>
           </p:cNvSpPr>
@@ -1149,7 +1149,7 @@
       </p:sp>
       <p:sp>
         <p:nvSpPr>
-          <p:cNvPr id="204" name="Google Shape;204;g2d89691d4b1_3_0:notes"/>
+          <p:cNvPr id="212" name="Google Shape;212;g2d89691d4b1_3_0:notes"/>
           <p:cNvSpPr txBox="1">
             <a:spLocks noGrp="1"/>
           </p:cNvSpPr>
@@ -1206,7 +1206,7 @@
   <p:cSld>
     <p:spTree>
       <p:nvGrpSpPr>
-        <p:cNvPr id="1" name="Shape 213"/>
+        <p:cNvPr id="1" name="Shape 221"/>
         <p:cNvGrpSpPr/>
         <p:nvPr/>
       </p:nvGrpSpPr>
@@ -1220,7 +1220,7 @@
       </p:grpSpPr>
       <p:sp>
         <p:nvSpPr>
-          <p:cNvPr id="214" name="Google Shape;214;p22:notes"/>
+          <p:cNvPr id="222" name="Google Shape;222;p22:notes"/>
           <p:cNvSpPr>
             <a:spLocks noGrp="1" noRot="1" noChangeAspect="1"/>
           </p:cNvSpPr>
@@ -1271,7 +1271,7 @@
       </p:sp>
       <p:sp>
         <p:nvSpPr>
-          <p:cNvPr id="215" name="Google Shape;215;p22:notes"/>
+          <p:cNvPr id="223" name="Google Shape;223;p22:notes"/>
           <p:cNvSpPr txBox="1">
             <a:spLocks noGrp="1"/>
           </p:cNvSpPr>
@@ -1328,7 +1328,7 @@
   <p:cSld>
     <p:spTree>
       <p:nvGrpSpPr>
-        <p:cNvPr id="1" name="Shape 223"/>
+        <p:cNvPr id="1" name="Shape 231"/>
         <p:cNvGrpSpPr/>
         <p:nvPr/>
       </p:nvGrpSpPr>
@@ -1342,7 +1342,7 @@
       </p:grpSpPr>
       <p:sp>
         <p:nvSpPr>
-          <p:cNvPr id="224" name="Google Shape;224;p23:notes"/>
+          <p:cNvPr id="232" name="Google Shape;232;p23:notes"/>
           <p:cNvSpPr>
             <a:spLocks noGrp="1" noRot="1" noChangeAspect="1"/>
           </p:cNvSpPr>
@@ -1393,7 +1393,7 @@
       </p:sp>
       <p:sp>
         <p:nvSpPr>
-          <p:cNvPr id="225" name="Google Shape;225;p23:notes"/>
+          <p:cNvPr id="233" name="Google Shape;233;p23:notes"/>
           <p:cNvSpPr txBox="1">
             <a:spLocks noGrp="1"/>
           </p:cNvSpPr>
@@ -1572,7 +1572,7 @@
   <p:cSld>
     <p:spTree>
       <p:nvGrpSpPr>
-        <p:cNvPr id="1" name="Shape 83"/>
+        <p:cNvPr id="1" name="Shape 84"/>
         <p:cNvGrpSpPr/>
         <p:nvPr/>
       </p:nvGrpSpPr>
@@ -1586,7 +1586,7 @@
       </p:grpSpPr>
       <p:sp>
         <p:nvSpPr>
-          <p:cNvPr id="84" name="Google Shape;84;g3382a0fc432_0_21:notes"/>
+          <p:cNvPr id="85" name="Google Shape;85;g3382a0fc432_0_21:notes"/>
           <p:cNvSpPr>
             <a:spLocks noGrp="1" noRot="1" noChangeAspect="1"/>
           </p:cNvSpPr>
@@ -1637,7 +1637,7 @@
       </p:sp>
       <p:sp>
         <p:nvSpPr>
-          <p:cNvPr id="85" name="Google Shape;85;g3382a0fc432_0_21:notes"/>
+          <p:cNvPr id="86" name="Google Shape;86;g3382a0fc432_0_21:notes"/>
           <p:cNvSpPr txBox="1">
             <a:spLocks noGrp="1"/>
           </p:cNvSpPr>
@@ -1694,7 +1694,7 @@
   <p:cSld>
     <p:spTree>
       <p:nvGrpSpPr>
-        <p:cNvPr id="1" name="Shape 90"/>
+        <p:cNvPr id="1" name="Shape 91"/>
         <p:cNvGrpSpPr/>
         <p:nvPr/>
       </p:nvGrpSpPr>
@@ -1708,7 +1708,7 @@
       </p:grpSpPr>
       <p:sp>
         <p:nvSpPr>
-          <p:cNvPr id="91" name="Google Shape;91;g2d96479dbb5_0_4:notes"/>
+          <p:cNvPr id="92" name="Google Shape;92;g2d96479dbb5_0_4:notes"/>
           <p:cNvSpPr>
             <a:spLocks noGrp="1" noRot="1" noChangeAspect="1"/>
           </p:cNvSpPr>
@@ -1759,7 +1759,7 @@
       </p:sp>
       <p:sp>
         <p:nvSpPr>
-          <p:cNvPr id="92" name="Google Shape;92;g2d96479dbb5_0_4:notes"/>
+          <p:cNvPr id="93" name="Google Shape;93;g2d96479dbb5_0_4:notes"/>
           <p:cNvSpPr txBox="1">
             <a:spLocks noGrp="1"/>
           </p:cNvSpPr>
@@ -1816,7 +1816,7 @@
   <p:cSld>
     <p:spTree>
       <p:nvGrpSpPr>
-        <p:cNvPr id="1" name="Shape 97"/>
+        <p:cNvPr id="1" name="Shape 98"/>
         <p:cNvGrpSpPr/>
         <p:nvPr/>
       </p:nvGrpSpPr>
@@ -1830,7 +1830,7 @@
       </p:grpSpPr>
       <p:sp>
         <p:nvSpPr>
-          <p:cNvPr id="98" name="Google Shape;98;g2d8f68c79d7_0_0:notes"/>
+          <p:cNvPr id="99" name="Google Shape;99;g2d8f68c79d7_0_0:notes"/>
           <p:cNvSpPr>
             <a:spLocks noGrp="1" noRot="1" noChangeAspect="1"/>
           </p:cNvSpPr>
@@ -1881,7 +1881,7 @@
       </p:sp>
       <p:sp>
         <p:nvSpPr>
-          <p:cNvPr id="99" name="Google Shape;99;g2d8f68c79d7_0_0:notes"/>
+          <p:cNvPr id="100" name="Google Shape;100;g2d8f68c79d7_0_0:notes"/>
           <p:cNvSpPr txBox="1">
             <a:spLocks noGrp="1"/>
           </p:cNvSpPr>
@@ -1938,7 +1938,7 @@
   <p:cSld>
     <p:spTree>
       <p:nvGrpSpPr>
-        <p:cNvPr id="1" name="Shape 107"/>
+        <p:cNvPr id="1" name="Shape 110"/>
         <p:cNvGrpSpPr/>
         <p:nvPr/>
       </p:nvGrpSpPr>
@@ -1952,7 +1952,7 @@
       </p:grpSpPr>
       <p:sp>
         <p:nvSpPr>
-          <p:cNvPr id="108" name="Google Shape;108;g2d9429e3639_0_1:notes"/>
+          <p:cNvPr id="111" name="Google Shape;111;g2d9429e3639_0_1:notes"/>
           <p:cNvSpPr>
             <a:spLocks noGrp="1" noRot="1" noChangeAspect="1"/>
           </p:cNvSpPr>
@@ -2003,7 +2003,7 @@
       </p:sp>
       <p:sp>
         <p:nvSpPr>
-          <p:cNvPr id="109" name="Google Shape;109;g2d9429e3639_0_1:notes"/>
+          <p:cNvPr id="112" name="Google Shape;112;g2d9429e3639_0_1:notes"/>
           <p:cNvSpPr txBox="1">
             <a:spLocks noGrp="1"/>
           </p:cNvSpPr>
@@ -2060,7 +2060,7 @@
   <p:cSld>
     <p:spTree>
       <p:nvGrpSpPr>
-        <p:cNvPr id="1" name="Shape 116"/>
+        <p:cNvPr id="1" name="Shape 120"/>
         <p:cNvGrpSpPr/>
         <p:nvPr/>
       </p:nvGrpSpPr>
@@ -2074,7 +2074,7 @@
       </p:grpSpPr>
       <p:sp>
         <p:nvSpPr>
-          <p:cNvPr id="117" name="Google Shape;117;g3382a0fc432_0_34:notes"/>
+          <p:cNvPr id="121" name="Google Shape;121;g3382a0fc432_0_34:notes"/>
           <p:cNvSpPr>
             <a:spLocks noGrp="1" noRot="1" noChangeAspect="1"/>
           </p:cNvSpPr>
@@ -2125,7 +2125,7 @@
       </p:sp>
       <p:sp>
         <p:nvSpPr>
-          <p:cNvPr id="118" name="Google Shape;118;g3382a0fc432_0_34:notes"/>
+          <p:cNvPr id="122" name="Google Shape;122;g3382a0fc432_0_34:notes"/>
           <p:cNvSpPr txBox="1">
             <a:spLocks noGrp="1"/>
           </p:cNvSpPr>
@@ -2182,7 +2182,7 @@
   <p:cSld>
     <p:spTree>
       <p:nvGrpSpPr>
-        <p:cNvPr id="1" name="Shape 124"/>
+        <p:cNvPr id="1" name="Shape 130"/>
         <p:cNvGrpSpPr/>
         <p:nvPr/>
       </p:nvGrpSpPr>
@@ -2196,7 +2196,7 @@
       </p:grpSpPr>
       <p:sp>
         <p:nvSpPr>
-          <p:cNvPr id="125" name="Google Shape;125;g3382a0fc432_0_10:notes"/>
+          <p:cNvPr id="131" name="Google Shape;131;g3382a0fc432_0_10:notes"/>
           <p:cNvSpPr>
             <a:spLocks noGrp="1" noRot="1" noChangeAspect="1"/>
           </p:cNvSpPr>
@@ -2247,7 +2247,7 @@
       </p:sp>
       <p:sp>
         <p:nvSpPr>
-          <p:cNvPr id="126" name="Google Shape;126;g3382a0fc432_0_10:notes"/>
+          <p:cNvPr id="132" name="Google Shape;132;g3382a0fc432_0_10:notes"/>
           <p:cNvSpPr txBox="1">
             <a:spLocks noGrp="1"/>
           </p:cNvSpPr>
@@ -2304,7 +2304,7 @@
   <p:cSld>
     <p:spTree>
       <p:nvGrpSpPr>
-        <p:cNvPr id="1" name="Shape 133"/>
+        <p:cNvPr id="1" name="Shape 141"/>
         <p:cNvGrpSpPr/>
         <p:nvPr/>
       </p:nvGrpSpPr>
@@ -2318,7 +2318,7 @@
       </p:grpSpPr>
       <p:sp>
         <p:nvSpPr>
-          <p:cNvPr id="134" name="Google Shape;134;g2d96f242e94_1_2:notes"/>
+          <p:cNvPr id="142" name="Google Shape;142;g2d96f242e94_1_2:notes"/>
           <p:cNvSpPr>
             <a:spLocks noGrp="1" noRot="1" noChangeAspect="1"/>
           </p:cNvSpPr>
@@ -2369,7 +2369,7 @@
       </p:sp>
       <p:sp>
         <p:nvSpPr>
-          <p:cNvPr id="135" name="Google Shape;135;g2d96f242e94_1_2:notes"/>
+          <p:cNvPr id="143" name="Google Shape;143;g2d96f242e94_1_2:notes"/>
           <p:cNvSpPr txBox="1">
             <a:spLocks noGrp="1"/>
           </p:cNvSpPr>
@@ -11874,7 +11874,7 @@
         </p:nvSpPr>
         <p:spPr>
           <a:xfrm>
-            <a:off x="5429350" y="63387"/>
+            <a:off x="5465225" y="328812"/>
             <a:ext cx="2775000" cy="880500"/>
           </a:xfrm>
           <a:prstGeom prst="rect">
@@ -12479,8 +12479,8 @@
         </p:nvSpPr>
         <p:spPr>
           <a:xfrm>
-            <a:off x="4606752" y="1111672"/>
-            <a:ext cx="4420200" cy="1800900"/>
+            <a:off x="4606752" y="1559660"/>
+            <a:ext cx="4420200" cy="2031900"/>
           </a:xfrm>
           <a:prstGeom prst="rect">
             <a:avLst/>
@@ -12640,6 +12640,43 @@
                 <a:sym typeface="Calibri"/>
               </a:rPr>
               <a:t>DeepHermes 3 Preview</a:t>
+            </a:r>
+            <a:endParaRPr sz="1500" b="1">
+              <a:solidFill>
+                <a:srgbClr val="3C78D8"/>
+              </a:solidFill>
+              <a:latin typeface="Calibri"/>
+              <a:ea typeface="Calibri"/>
+              <a:cs typeface="Calibri"/>
+              <a:sym typeface="Calibri"/>
+            </a:endParaRPr>
+          </a:p>
+          <a:p>
+            <a:pPr marL="228600" lvl="0" indent="-209550" algn="l" rtl="0">
+              <a:spcBef>
+                <a:spcPts val="0"/>
+              </a:spcBef>
+              <a:spcAft>
+                <a:spcPts val="0"/>
+              </a:spcAft>
+              <a:buClr>
+                <a:srgbClr val="3C78D8"/>
+              </a:buClr>
+              <a:buSzPts val="1500"/>
+              <a:buFont typeface="Calibri"/>
+              <a:buChar char="●"/>
+            </a:pPr>
+            <a:r>
+              <a:rPr lang="en" sz="1500" b="1">
+                <a:solidFill>
+                  <a:srgbClr val="3C78D8"/>
+                </a:solidFill>
+                <a:latin typeface="Calibri"/>
+                <a:ea typeface="Calibri"/>
+                <a:cs typeface="Calibri"/>
+                <a:sym typeface="Calibri"/>
+              </a:rPr>
+              <a:t>Figure’s humanoid robot helps around the house</a:t>
             </a:r>
             <a:endParaRPr sz="1500" b="1">
               <a:solidFill>
@@ -12849,7 +12886,7 @@
   <p:cSld>
     <p:spTree>
       <p:nvGrpSpPr>
-        <p:cNvPr id="1" name="Shape 146"/>
+        <p:cNvPr id="1" name="Shape 154"/>
         <p:cNvGrpSpPr/>
         <p:nvPr/>
       </p:nvGrpSpPr>
@@ -12863,7 +12900,7 @@
       </p:grpSpPr>
       <p:sp>
         <p:nvSpPr>
-          <p:cNvPr id="147" name="Google Shape;147;p24"/>
+          <p:cNvPr id="155" name="Google Shape;155;p24"/>
           <p:cNvSpPr txBox="1"/>
           <p:nvPr/>
         </p:nvSpPr>
@@ -13030,7 +13067,7 @@
       </p:sp>
       <p:sp>
         <p:nvSpPr>
-          <p:cNvPr id="148" name="Google Shape;148;p24"/>
+          <p:cNvPr id="156" name="Google Shape;156;p24"/>
           <p:cNvSpPr txBox="1"/>
           <p:nvPr/>
         </p:nvSpPr>
@@ -13096,7 +13133,7 @@
       </p:sp>
       <p:sp>
         <p:nvSpPr>
-          <p:cNvPr id="149" name="Google Shape;149;p24"/>
+          <p:cNvPr id="157" name="Google Shape;157;p24"/>
           <p:cNvSpPr txBox="1"/>
           <p:nvPr/>
         </p:nvSpPr>
@@ -13187,7 +13224,7 @@
       </p:sp>
       <p:sp>
         <p:nvSpPr>
-          <p:cNvPr id="150" name="Google Shape;150;p24"/>
+          <p:cNvPr id="158" name="Google Shape;158;p24"/>
           <p:cNvSpPr txBox="1"/>
           <p:nvPr/>
         </p:nvSpPr>
@@ -13261,7 +13298,7 @@
       </p:sp>
       <p:sp>
         <p:nvSpPr>
-          <p:cNvPr id="151" name="Google Shape;151;p24"/>
+          <p:cNvPr id="159" name="Google Shape;159;p24"/>
           <p:cNvSpPr txBox="1"/>
           <p:nvPr/>
         </p:nvSpPr>
@@ -13317,7 +13354,7 @@
                 <a:cs typeface="Calibri"/>
                 <a:sym typeface="Calibri"/>
               </a:rPr>
-              <a:t>Total #models: 205</a:t>
+              <a:t>Total #models: 206</a:t>
             </a:r>
             <a:endParaRPr sz="1100">
               <a:solidFill>
@@ -13360,7 +13397,7 @@
                 <a:cs typeface="Calibri"/>
                 <a:sym typeface="Calibri"/>
               </a:rPr>
-              <a:t>Total #votes: 2,668,091</a:t>
+              <a:t>Total #votes: 2,694,155</a:t>
             </a:r>
             <a:endParaRPr sz="1100">
               <a:solidFill>
@@ -13403,7 +13440,7 @@
                 <a:cs typeface="Calibri"/>
                 <a:sym typeface="Calibri"/>
               </a:rPr>
-              <a:t>Last updated: 2025-02-16</a:t>
+              <a:t>Last updated: 2025-02-20</a:t>
             </a:r>
             <a:endParaRPr sz="1100">
               <a:solidFill>
@@ -13422,7 +13459,7 @@
       </p:sp>
       <p:sp>
         <p:nvSpPr>
-          <p:cNvPr id="152" name="Google Shape;152;p24"/>
+          <p:cNvPr id="160" name="Google Shape;160;p24"/>
           <p:cNvSpPr txBox="1"/>
           <p:nvPr/>
         </p:nvSpPr>
@@ -13496,13 +13533,13 @@
       </p:sp>
       <p:sp>
         <p:nvSpPr>
-          <p:cNvPr id="153" name="Google Shape;153;p24"/>
+          <p:cNvPr id="161" name="Google Shape;161;p24"/>
           <p:cNvSpPr txBox="1"/>
           <p:nvPr/>
         </p:nvSpPr>
         <p:spPr>
           <a:xfrm flipH="1">
-            <a:off x="631077" y="4689338"/>
+            <a:off x="631077" y="4911339"/>
             <a:ext cx="194400" cy="141600"/>
           </a:xfrm>
           <a:prstGeom prst="rect">
@@ -13567,7 +13604,7 @@
       </p:sp>
       <p:sp>
         <p:nvSpPr>
-          <p:cNvPr id="154" name="Google Shape;154;p24"/>
+          <p:cNvPr id="162" name="Google Shape;162;p24"/>
           <p:cNvSpPr txBox="1"/>
           <p:nvPr/>
         </p:nvSpPr>
@@ -13642,7 +13679,7 @@
       </p:sp>
       <p:sp>
         <p:nvSpPr>
-          <p:cNvPr id="155" name="Google Shape;155;p24"/>
+          <p:cNvPr id="163" name="Google Shape;163;p24"/>
           <p:cNvSpPr/>
           <p:nvPr/>
         </p:nvSpPr>
@@ -13688,7 +13725,7 @@
       </p:sp>
       <p:sp>
         <p:nvSpPr>
-          <p:cNvPr id="156" name="Google Shape;156;p24"/>
+          <p:cNvPr id="164" name="Google Shape;164;p24"/>
           <p:cNvSpPr/>
           <p:nvPr/>
         </p:nvSpPr>
@@ -13734,13 +13771,13 @@
       </p:sp>
       <p:sp>
         <p:nvSpPr>
-          <p:cNvPr id="157" name="Google Shape;157;p24"/>
+          <p:cNvPr id="165" name="Google Shape;165;p24"/>
           <p:cNvSpPr/>
           <p:nvPr/>
         </p:nvSpPr>
         <p:spPr>
           <a:xfrm>
-            <a:off x="685110" y="4513714"/>
+            <a:off x="701285" y="4712739"/>
             <a:ext cx="125400" cy="125400"/>
           </a:xfrm>
           <a:prstGeom prst="ellipse">
@@ -13780,13 +13817,13 @@
       </p:sp>
       <p:sp>
         <p:nvSpPr>
-          <p:cNvPr id="158" name="Google Shape;158;p24"/>
+          <p:cNvPr id="166" name="Google Shape;166;p24"/>
           <p:cNvSpPr txBox="1"/>
           <p:nvPr/>
         </p:nvSpPr>
         <p:spPr>
           <a:xfrm>
-            <a:off x="4852343" y="4111381"/>
+            <a:off x="4873223" y="4139221"/>
             <a:ext cx="288900" cy="141600"/>
           </a:xfrm>
           <a:prstGeom prst="rect">
@@ -13855,13 +13892,13 @@
       </p:sp>
       <p:sp>
         <p:nvSpPr>
-          <p:cNvPr id="159" name="Google Shape;159;p24"/>
+          <p:cNvPr id="167" name="Google Shape;167;p24"/>
           <p:cNvSpPr/>
           <p:nvPr/>
         </p:nvSpPr>
         <p:spPr>
           <a:xfrm>
-            <a:off x="5008282" y="4313388"/>
+            <a:off x="5036132" y="4912158"/>
             <a:ext cx="125400" cy="125400"/>
           </a:xfrm>
           <a:prstGeom prst="ellipse">
@@ -13901,13 +13938,13 @@
       </p:sp>
       <p:sp>
         <p:nvSpPr>
-          <p:cNvPr id="160" name="Google Shape;160;p24"/>
+          <p:cNvPr id="168" name="Google Shape;168;p24"/>
           <p:cNvSpPr/>
           <p:nvPr/>
         </p:nvSpPr>
         <p:spPr>
           <a:xfrm>
-            <a:off x="5000159" y="1262120"/>
+            <a:off x="5021039" y="1850840"/>
             <a:ext cx="125400" cy="125400"/>
           </a:xfrm>
           <a:prstGeom prst="ellipse">
@@ -13947,13 +13984,13 @@
       </p:sp>
       <p:sp>
         <p:nvSpPr>
-          <p:cNvPr id="161" name="Google Shape;161;p24"/>
+          <p:cNvPr id="169" name="Google Shape;169;p24"/>
           <p:cNvSpPr/>
           <p:nvPr/>
         </p:nvSpPr>
         <p:spPr>
           <a:xfrm>
-            <a:off x="5000159" y="2589824"/>
+            <a:off x="5034960" y="2603744"/>
             <a:ext cx="125400" cy="125400"/>
           </a:xfrm>
           <a:prstGeom prst="ellipse">
@@ -13993,13 +14030,13 @@
       </p:sp>
       <p:sp>
         <p:nvSpPr>
-          <p:cNvPr id="162" name="Google Shape;162;p24"/>
+          <p:cNvPr id="170" name="Google Shape;170;p24"/>
           <p:cNvSpPr/>
           <p:nvPr/>
         </p:nvSpPr>
         <p:spPr>
           <a:xfrm>
-            <a:off x="5008284" y="3364514"/>
+            <a:off x="5029165" y="3378435"/>
             <a:ext cx="125400" cy="125400"/>
           </a:xfrm>
           <a:prstGeom prst="ellipse">
@@ -14039,13 +14076,13 @@
       </p:sp>
       <p:sp>
         <p:nvSpPr>
-          <p:cNvPr id="163" name="Google Shape;163;p24"/>
+          <p:cNvPr id="171" name="Google Shape;171;p24"/>
           <p:cNvSpPr/>
           <p:nvPr/>
         </p:nvSpPr>
         <p:spPr>
           <a:xfrm>
-            <a:off x="5000159" y="1448539"/>
+            <a:off x="5027999" y="1462459"/>
             <a:ext cx="125400" cy="125400"/>
           </a:xfrm>
           <a:prstGeom prst="ellipse">
@@ -14085,13 +14122,13 @@
       </p:sp>
       <p:sp>
         <p:nvSpPr>
-          <p:cNvPr id="164" name="Google Shape;164;p24"/>
+          <p:cNvPr id="172" name="Google Shape;172;p24"/>
           <p:cNvSpPr txBox="1"/>
           <p:nvPr/>
         </p:nvSpPr>
         <p:spPr>
           <a:xfrm>
-            <a:off x="529306" y="2972809"/>
+            <a:off x="391187" y="2979769"/>
             <a:ext cx="287100" cy="141600"/>
           </a:xfrm>
           <a:prstGeom prst="rect">
@@ -14160,82 +14197,7 @@
       </p:sp>
       <p:sp>
         <p:nvSpPr>
-          <p:cNvPr id="165" name="Google Shape;165;p24"/>
-          <p:cNvSpPr txBox="1"/>
-          <p:nvPr/>
-        </p:nvSpPr>
-        <p:spPr>
-          <a:xfrm>
-            <a:off x="519565" y="2598208"/>
-            <a:ext cx="287100" cy="141600"/>
-          </a:xfrm>
-          <a:prstGeom prst="rect">
-            <a:avLst/>
-          </a:prstGeom>
-          <a:noFill/>
-          <a:ln w="9525" cap="flat" cmpd="sng">
-            <a:solidFill>
-              <a:srgbClr val="FF0000"/>
-            </a:solidFill>
-            <a:prstDash val="solid"/>
-            <a:round/>
-            <a:headEnd type="none" w="sm" len="sm"/>
-            <a:tailEnd type="none" w="sm" len="sm"/>
-          </a:ln>
-        </p:spPr>
-        <p:txBody>
-          <a:bodyPr spcFirstLastPara="1" wrap="square" lIns="9125" tIns="9125" rIns="9125" bIns="9125" anchor="t" anchorCtr="0">
-            <a:spAutoFit/>
-          </a:bodyPr>
-          <a:lstStyle/>
-          <a:p>
-            <a:pPr marL="0" lvl="0" indent="0" algn="l" rtl="0">
-              <a:spcBef>
-                <a:spcPts val="0"/>
-              </a:spcBef>
-              <a:spcAft>
-                <a:spcPts val="0"/>
-              </a:spcAft>
-              <a:buClr>
-                <a:srgbClr val="000000"/>
-              </a:buClr>
-              <a:buSzPts val="1100"/>
-              <a:buFont typeface="Arial"/>
-              <a:buNone/>
-            </a:pPr>
-            <a:r>
-              <a:rPr lang="en" sz="800">
-                <a:solidFill>
-                  <a:srgbClr val="1F2937"/>
-                </a:solidFill>
-                <a:highlight>
-                  <a:srgbClr val="FFFFFF"/>
-                </a:highlight>
-                <a:latin typeface="Calibri"/>
-                <a:ea typeface="Calibri"/>
-                <a:cs typeface="Calibri"/>
-                <a:sym typeface="Calibri"/>
-              </a:rPr>
-              <a:t>China</a:t>
-            </a:r>
-            <a:endParaRPr sz="800">
-              <a:solidFill>
-                <a:srgbClr val="1F2937"/>
-              </a:solidFill>
-              <a:highlight>
-                <a:srgbClr val="FFFFFF"/>
-              </a:highlight>
-              <a:latin typeface="Calibri"/>
-              <a:ea typeface="Calibri"/>
-              <a:cs typeface="Calibri"/>
-              <a:sym typeface="Calibri"/>
-            </a:endParaRPr>
-          </a:p>
-        </p:txBody>
-      </p:sp>
-      <p:sp>
-        <p:nvSpPr>
-          <p:cNvPr id="166" name="Google Shape;166;p24"/>
+          <p:cNvPr id="173" name="Google Shape;173;p24"/>
           <p:cNvSpPr/>
           <p:nvPr/>
         </p:nvSpPr>
@@ -14281,13 +14243,13 @@
       </p:sp>
       <p:sp>
         <p:nvSpPr>
-          <p:cNvPr id="167" name="Google Shape;167;p24"/>
+          <p:cNvPr id="174" name="Google Shape;174;p24"/>
           <p:cNvSpPr/>
           <p:nvPr/>
         </p:nvSpPr>
         <p:spPr>
           <a:xfrm>
-            <a:off x="692329" y="3158246"/>
+            <a:off x="701279" y="3761579"/>
             <a:ext cx="125400" cy="125400"/>
           </a:xfrm>
           <a:prstGeom prst="ellipse">
@@ -14327,7 +14289,7 @@
       </p:sp>
       <p:sp>
         <p:nvSpPr>
-          <p:cNvPr id="168" name="Google Shape;168;p24"/>
+          <p:cNvPr id="175" name="Google Shape;175;p24"/>
           <p:cNvSpPr/>
           <p:nvPr/>
         </p:nvSpPr>
@@ -14373,13 +14335,13 @@
       </p:sp>
       <p:sp>
         <p:nvSpPr>
-          <p:cNvPr id="169" name="Google Shape;169;p24"/>
+          <p:cNvPr id="176" name="Google Shape;176;p24"/>
           <p:cNvSpPr/>
           <p:nvPr/>
         </p:nvSpPr>
         <p:spPr>
           <a:xfrm>
-            <a:off x="5000159" y="2022545"/>
+            <a:off x="5027999" y="2036465"/>
             <a:ext cx="125400" cy="125400"/>
           </a:xfrm>
           <a:prstGeom prst="ellipse">
@@ -14419,13 +14381,13 @@
       </p:sp>
       <p:sp>
         <p:nvSpPr>
-          <p:cNvPr id="170" name="Google Shape;170;p24"/>
+          <p:cNvPr id="177" name="Google Shape;177;p24"/>
           <p:cNvSpPr/>
           <p:nvPr/>
         </p:nvSpPr>
         <p:spPr>
           <a:xfrm>
-            <a:off x="5001080" y="1649375"/>
+            <a:off x="5021961" y="1268375"/>
             <a:ext cx="125400" cy="125400"/>
           </a:xfrm>
           <a:prstGeom prst="ellipse">
@@ -14465,13 +14427,13 @@
       </p:sp>
       <p:sp>
         <p:nvSpPr>
-          <p:cNvPr id="171" name="Google Shape;171;p24"/>
+          <p:cNvPr id="178" name="Google Shape;178;p24"/>
           <p:cNvSpPr/>
           <p:nvPr/>
         </p:nvSpPr>
         <p:spPr>
           <a:xfrm>
-            <a:off x="5000155" y="2405768"/>
+            <a:off x="5027996" y="2419688"/>
             <a:ext cx="125400" cy="125400"/>
           </a:xfrm>
           <a:prstGeom prst="ellipse">
@@ -14511,7 +14473,7 @@
       </p:sp>
       <p:sp>
         <p:nvSpPr>
-          <p:cNvPr id="172" name="Google Shape;172;p24"/>
+          <p:cNvPr id="179" name="Google Shape;179;p24"/>
           <p:cNvSpPr/>
           <p:nvPr/>
         </p:nvSpPr>
@@ -14557,7 +14519,7 @@
       </p:sp>
       <p:sp>
         <p:nvSpPr>
-          <p:cNvPr id="173" name="Google Shape;173;p24"/>
+          <p:cNvPr id="180" name="Google Shape;180;p24"/>
           <p:cNvSpPr/>
           <p:nvPr/>
         </p:nvSpPr>
@@ -14603,7 +14565,7 @@
       </p:sp>
       <p:sp>
         <p:nvSpPr>
-          <p:cNvPr id="174" name="Google Shape;174;p24"/>
+          <p:cNvPr id="181" name="Google Shape;181;p24"/>
           <p:cNvSpPr/>
           <p:nvPr/>
         </p:nvSpPr>
@@ -14649,13 +14611,13 @@
       </p:sp>
       <p:sp>
         <p:nvSpPr>
-          <p:cNvPr id="175" name="Google Shape;175;p24"/>
+          <p:cNvPr id="182" name="Google Shape;182;p24"/>
           <p:cNvSpPr txBox="1"/>
           <p:nvPr/>
         </p:nvSpPr>
         <p:spPr>
           <a:xfrm>
-            <a:off x="4854362" y="3909394"/>
+            <a:off x="4875222" y="4324107"/>
             <a:ext cx="288900" cy="141600"/>
           </a:xfrm>
           <a:prstGeom prst="rect">
@@ -14724,7 +14686,7 @@
       </p:sp>
       <p:sp>
         <p:nvSpPr>
-          <p:cNvPr id="176" name="Google Shape;176;p24"/>
+          <p:cNvPr id="183" name="Google Shape;183;p24"/>
           <p:cNvSpPr txBox="1"/>
           <p:nvPr/>
         </p:nvSpPr>
@@ -14799,13 +14761,284 @@
       </p:sp>
       <p:sp>
         <p:nvSpPr>
-          <p:cNvPr id="177" name="Google Shape;177;p24"/>
+          <p:cNvPr id="184" name="Google Shape;184;p24"/>
           <p:cNvSpPr/>
           <p:nvPr/>
         </p:nvSpPr>
         <p:spPr>
           <a:xfrm>
-            <a:off x="683452" y="4883696"/>
+            <a:off x="688998" y="3948017"/>
+            <a:ext cx="125400" cy="125400"/>
+          </a:xfrm>
+          <a:prstGeom prst="ellipse">
+            <a:avLst/>
+          </a:prstGeom>
+          <a:solidFill>
+            <a:srgbClr val="FFFF00"/>
+          </a:solidFill>
+          <a:ln w="9525" cap="flat" cmpd="sng">
+            <a:solidFill>
+              <a:srgbClr val="595959"/>
+            </a:solidFill>
+            <a:prstDash val="solid"/>
+            <a:round/>
+            <a:headEnd type="none" w="sm" len="sm"/>
+            <a:tailEnd type="none" w="sm" len="sm"/>
+          </a:ln>
+        </p:spPr>
+        <p:txBody>
+          <a:bodyPr spcFirstLastPara="1" wrap="square" lIns="91425" tIns="91425" rIns="91425" bIns="91425" anchor="ctr" anchorCtr="0">
+            <a:noAutofit/>
+          </a:bodyPr>
+          <a:lstStyle/>
+          <a:p>
+            <a:pPr marL="0" lvl="0" indent="0" algn="ctr" rtl="0">
+              <a:spcBef>
+                <a:spcPts val="0"/>
+              </a:spcBef>
+              <a:spcAft>
+                <a:spcPts val="0"/>
+              </a:spcAft>
+              <a:buNone/>
+            </a:pPr>
+            <a:endParaRPr/>
+          </a:p>
+        </p:txBody>
+      </p:sp>
+      <p:sp>
+        <p:nvSpPr>
+          <p:cNvPr id="185" name="Google Shape;185;p24"/>
+          <p:cNvSpPr txBox="1"/>
+          <p:nvPr/>
+        </p:nvSpPr>
+        <p:spPr>
+          <a:xfrm>
+            <a:off x="4728633" y="3951366"/>
+            <a:ext cx="288900" cy="141600"/>
+          </a:xfrm>
+          <a:prstGeom prst="rect">
+            <a:avLst/>
+          </a:prstGeom>
+          <a:noFill/>
+          <a:ln w="9525" cap="flat" cmpd="sng">
+            <a:solidFill>
+              <a:srgbClr val="FF0000"/>
+            </a:solidFill>
+            <a:prstDash val="solid"/>
+            <a:round/>
+            <a:headEnd type="none" w="sm" len="sm"/>
+            <a:tailEnd type="none" w="sm" len="sm"/>
+          </a:ln>
+        </p:spPr>
+        <p:txBody>
+          <a:bodyPr spcFirstLastPara="1" wrap="square" lIns="9125" tIns="9125" rIns="9125" bIns="9125" anchor="t" anchorCtr="0">
+            <a:spAutoFit/>
+          </a:bodyPr>
+          <a:lstStyle/>
+          <a:p>
+            <a:pPr marL="0" lvl="0" indent="0" algn="l" rtl="0">
+              <a:spcBef>
+                <a:spcPts val="0"/>
+              </a:spcBef>
+              <a:spcAft>
+                <a:spcPts val="0"/>
+              </a:spcAft>
+              <a:buClr>
+                <a:srgbClr val="000000"/>
+              </a:buClr>
+              <a:buSzPts val="1100"/>
+              <a:buFont typeface="Arial"/>
+              <a:buNone/>
+            </a:pPr>
+            <a:r>
+              <a:rPr lang="en" sz="800">
+                <a:solidFill>
+                  <a:srgbClr val="1F2937"/>
+                </a:solidFill>
+                <a:highlight>
+                  <a:srgbClr val="FFFFFF"/>
+                </a:highlight>
+                <a:latin typeface="Calibri"/>
+                <a:ea typeface="Calibri"/>
+                <a:cs typeface="Calibri"/>
+                <a:sym typeface="Calibri"/>
+              </a:rPr>
+              <a:t>China</a:t>
+            </a:r>
+            <a:endParaRPr sz="800">
+              <a:solidFill>
+                <a:srgbClr val="1F2937"/>
+              </a:solidFill>
+              <a:highlight>
+                <a:srgbClr val="FFFFFF"/>
+              </a:highlight>
+              <a:latin typeface="Calibri"/>
+              <a:ea typeface="Calibri"/>
+              <a:cs typeface="Calibri"/>
+              <a:sym typeface="Calibri"/>
+            </a:endParaRPr>
+          </a:p>
+        </p:txBody>
+      </p:sp>
+      <p:sp>
+        <p:nvSpPr>
+          <p:cNvPr id="186" name="Google Shape;186;p24"/>
+          <p:cNvSpPr txBox="1"/>
+          <p:nvPr/>
+        </p:nvSpPr>
+        <p:spPr>
+          <a:xfrm>
+            <a:off x="4872265" y="4705964"/>
+            <a:ext cx="288900" cy="141600"/>
+          </a:xfrm>
+          <a:prstGeom prst="rect">
+            <a:avLst/>
+          </a:prstGeom>
+          <a:noFill/>
+          <a:ln w="9525" cap="flat" cmpd="sng">
+            <a:solidFill>
+              <a:srgbClr val="FF0000"/>
+            </a:solidFill>
+            <a:prstDash val="solid"/>
+            <a:round/>
+            <a:headEnd type="none" w="sm" len="sm"/>
+            <a:tailEnd type="none" w="sm" len="sm"/>
+          </a:ln>
+        </p:spPr>
+        <p:txBody>
+          <a:bodyPr spcFirstLastPara="1" wrap="square" lIns="9125" tIns="9125" rIns="9125" bIns="9125" anchor="t" anchorCtr="0">
+            <a:spAutoFit/>
+          </a:bodyPr>
+          <a:lstStyle/>
+          <a:p>
+            <a:pPr marL="0" lvl="0" indent="0" algn="l" rtl="0">
+              <a:spcBef>
+                <a:spcPts val="0"/>
+              </a:spcBef>
+              <a:spcAft>
+                <a:spcPts val="0"/>
+              </a:spcAft>
+              <a:buClr>
+                <a:srgbClr val="000000"/>
+              </a:buClr>
+              <a:buSzPts val="1100"/>
+              <a:buFont typeface="Arial"/>
+              <a:buNone/>
+            </a:pPr>
+            <a:r>
+              <a:rPr lang="en" sz="800">
+                <a:solidFill>
+                  <a:srgbClr val="1F2937"/>
+                </a:solidFill>
+                <a:highlight>
+                  <a:srgbClr val="FFFFFF"/>
+                </a:highlight>
+                <a:latin typeface="Calibri"/>
+                <a:ea typeface="Calibri"/>
+                <a:cs typeface="Calibri"/>
+                <a:sym typeface="Calibri"/>
+              </a:rPr>
+              <a:t>China</a:t>
+            </a:r>
+            <a:endParaRPr sz="800">
+              <a:solidFill>
+                <a:srgbClr val="1F2937"/>
+              </a:solidFill>
+              <a:highlight>
+                <a:srgbClr val="FFFFFF"/>
+              </a:highlight>
+              <a:latin typeface="Calibri"/>
+              <a:ea typeface="Calibri"/>
+              <a:cs typeface="Calibri"/>
+              <a:sym typeface="Calibri"/>
+            </a:endParaRPr>
+          </a:p>
+        </p:txBody>
+      </p:sp>
+      <p:sp>
+        <p:nvSpPr>
+          <p:cNvPr id="187" name="Google Shape;187;p24"/>
+          <p:cNvSpPr txBox="1"/>
+          <p:nvPr/>
+        </p:nvSpPr>
+        <p:spPr>
+          <a:xfrm>
+            <a:off x="524976" y="2788000"/>
+            <a:ext cx="287100" cy="141600"/>
+          </a:xfrm>
+          <a:prstGeom prst="rect">
+            <a:avLst/>
+          </a:prstGeom>
+          <a:noFill/>
+          <a:ln w="9525" cap="flat" cmpd="sng">
+            <a:solidFill>
+              <a:srgbClr val="FF0000"/>
+            </a:solidFill>
+            <a:prstDash val="solid"/>
+            <a:round/>
+            <a:headEnd type="none" w="sm" len="sm"/>
+            <a:tailEnd type="none" w="sm" len="sm"/>
+          </a:ln>
+        </p:spPr>
+        <p:txBody>
+          <a:bodyPr spcFirstLastPara="1" wrap="square" lIns="9125" tIns="9125" rIns="9125" bIns="9125" anchor="t" anchorCtr="0">
+            <a:spAutoFit/>
+          </a:bodyPr>
+          <a:lstStyle/>
+          <a:p>
+            <a:pPr marL="0" lvl="0" indent="0" algn="l" rtl="0">
+              <a:spcBef>
+                <a:spcPts val="0"/>
+              </a:spcBef>
+              <a:spcAft>
+                <a:spcPts val="0"/>
+              </a:spcAft>
+              <a:buClr>
+                <a:srgbClr val="000000"/>
+              </a:buClr>
+              <a:buSzPts val="1100"/>
+              <a:buFont typeface="Arial"/>
+              <a:buNone/>
+            </a:pPr>
+            <a:r>
+              <a:rPr lang="en" sz="800">
+                <a:solidFill>
+                  <a:srgbClr val="1F2937"/>
+                </a:solidFill>
+                <a:highlight>
+                  <a:srgbClr val="FFFFFF"/>
+                </a:highlight>
+                <a:latin typeface="Calibri"/>
+                <a:ea typeface="Calibri"/>
+                <a:cs typeface="Calibri"/>
+                <a:sym typeface="Calibri"/>
+              </a:rPr>
+              <a:t>China</a:t>
+            </a:r>
+            <a:endParaRPr sz="800">
+              <a:solidFill>
+                <a:srgbClr val="1F2937"/>
+              </a:solidFill>
+              <a:highlight>
+                <a:srgbClr val="FFFFFF"/>
+              </a:highlight>
+              <a:latin typeface="Calibri"/>
+              <a:ea typeface="Calibri"/>
+              <a:cs typeface="Calibri"/>
+              <a:sym typeface="Calibri"/>
+            </a:endParaRPr>
+          </a:p>
+        </p:txBody>
+      </p:sp>
+      <p:sp>
+        <p:nvSpPr>
+          <p:cNvPr id="188" name="Google Shape;188;p24"/>
+          <p:cNvSpPr/>
+          <p:nvPr/>
+        </p:nvSpPr>
+        <p:spPr>
+          <a:xfrm>
+            <a:off x="701276" y="2991266"/>
             <a:ext cx="125400" cy="125400"/>
           </a:xfrm>
           <a:prstGeom prst="ellipse">
@@ -14845,13 +15078,134 @@
       </p:sp>
       <p:sp>
         <p:nvSpPr>
-          <p:cNvPr id="178" name="Google Shape;178;p24"/>
+          <p:cNvPr id="189" name="Google Shape;189;p24"/>
+          <p:cNvSpPr txBox="1"/>
+          <p:nvPr/>
+        </p:nvSpPr>
+        <p:spPr>
+          <a:xfrm>
+            <a:off x="4738622" y="1654369"/>
+            <a:ext cx="288900" cy="141600"/>
+          </a:xfrm>
+          <a:prstGeom prst="rect">
+            <a:avLst/>
+          </a:prstGeom>
+          <a:noFill/>
+          <a:ln w="9525" cap="flat" cmpd="sng">
+            <a:solidFill>
+              <a:srgbClr val="FF0000"/>
+            </a:solidFill>
+            <a:prstDash val="solid"/>
+            <a:round/>
+            <a:headEnd type="none" w="sm" len="sm"/>
+            <a:tailEnd type="none" w="sm" len="sm"/>
+          </a:ln>
+        </p:spPr>
+        <p:txBody>
+          <a:bodyPr spcFirstLastPara="1" wrap="square" lIns="9125" tIns="9125" rIns="9125" bIns="9125" anchor="t" anchorCtr="0">
+            <a:spAutoFit/>
+          </a:bodyPr>
+          <a:lstStyle/>
+          <a:p>
+            <a:pPr marL="0" lvl="0" indent="0" algn="l" rtl="0">
+              <a:spcBef>
+                <a:spcPts val="0"/>
+              </a:spcBef>
+              <a:spcAft>
+                <a:spcPts val="0"/>
+              </a:spcAft>
+              <a:buClr>
+                <a:srgbClr val="000000"/>
+              </a:buClr>
+              <a:buSzPts val="1100"/>
+              <a:buFont typeface="Arial"/>
+              <a:buNone/>
+            </a:pPr>
+            <a:r>
+              <a:rPr lang="en" sz="800">
+                <a:solidFill>
+                  <a:srgbClr val="1F2937"/>
+                </a:solidFill>
+                <a:highlight>
+                  <a:srgbClr val="FFFFFF"/>
+                </a:highlight>
+                <a:latin typeface="Calibri"/>
+                <a:ea typeface="Calibri"/>
+                <a:cs typeface="Calibri"/>
+                <a:sym typeface="Calibri"/>
+              </a:rPr>
+              <a:t>China</a:t>
+            </a:r>
+            <a:endParaRPr sz="800">
+              <a:solidFill>
+                <a:srgbClr val="1F2937"/>
+              </a:solidFill>
+              <a:highlight>
+                <a:srgbClr val="FFFFFF"/>
+              </a:highlight>
+              <a:latin typeface="Calibri"/>
+              <a:ea typeface="Calibri"/>
+              <a:cs typeface="Calibri"/>
+              <a:sym typeface="Calibri"/>
+            </a:endParaRPr>
+          </a:p>
+        </p:txBody>
+      </p:sp>
+      <p:sp>
+        <p:nvSpPr>
+          <p:cNvPr id="190" name="Google Shape;190;p24"/>
           <p:cNvSpPr/>
           <p:nvPr/>
         </p:nvSpPr>
         <p:spPr>
           <a:xfrm>
-            <a:off x="682037" y="3927137"/>
+            <a:off x="5035518" y="1659885"/>
+            <a:ext cx="125400" cy="125400"/>
+          </a:xfrm>
+          <a:prstGeom prst="ellipse">
+            <a:avLst/>
+          </a:prstGeom>
+          <a:solidFill>
+            <a:srgbClr val="6AA84F"/>
+          </a:solidFill>
+          <a:ln w="9525" cap="flat" cmpd="sng">
+            <a:solidFill>
+              <a:srgbClr val="595959"/>
+            </a:solidFill>
+            <a:prstDash val="solid"/>
+            <a:round/>
+            <a:headEnd type="none" w="sm" len="sm"/>
+            <a:tailEnd type="none" w="sm" len="sm"/>
+          </a:ln>
+        </p:spPr>
+        <p:txBody>
+          <a:bodyPr spcFirstLastPara="1" wrap="square" lIns="91425" tIns="91425" rIns="91425" bIns="91425" anchor="ctr" anchorCtr="0">
+            <a:noAutofit/>
+          </a:bodyPr>
+          <a:lstStyle/>
+          <a:p>
+            <a:pPr marL="0" lvl="0" indent="0" algn="ctr" rtl="0">
+              <a:spcBef>
+                <a:spcPts val="0"/>
+              </a:spcBef>
+              <a:spcAft>
+                <a:spcPts val="0"/>
+              </a:spcAft>
+              <a:buNone/>
+            </a:pPr>
+            <a:endParaRPr/>
+          </a:p>
+        </p:txBody>
+      </p:sp>
+      <p:sp>
+        <p:nvSpPr>
+          <p:cNvPr id="191" name="Google Shape;191;p24"/>
+          <p:cNvSpPr/>
+          <p:nvPr/>
+        </p:nvSpPr>
+        <p:spPr>
+          <a:xfrm>
+            <a:off x="5036124" y="2226458"/>
             <a:ext cx="125400" cy="125400"/>
           </a:xfrm>
           <a:prstGeom prst="ellipse">
@@ -14891,13 +15245,13 @@
       </p:sp>
       <p:sp>
         <p:nvSpPr>
-          <p:cNvPr id="179" name="Google Shape;179;p24"/>
+          <p:cNvPr id="192" name="Google Shape;192;p24"/>
           <p:cNvSpPr txBox="1"/>
           <p:nvPr/>
         </p:nvSpPr>
         <p:spPr>
           <a:xfrm>
-            <a:off x="4707753" y="3542886"/>
+            <a:off x="4868260" y="3180909"/>
             <a:ext cx="288900" cy="141600"/>
           </a:xfrm>
           <a:prstGeom prst="rect">
@@ -14966,163 +15320,13 @@
       </p:sp>
       <p:sp>
         <p:nvSpPr>
-          <p:cNvPr id="180" name="Google Shape;180;p24"/>
-          <p:cNvSpPr txBox="1"/>
-          <p:nvPr/>
-        </p:nvSpPr>
-        <p:spPr>
-          <a:xfrm>
-            <a:off x="4851385" y="4685084"/>
-            <a:ext cx="288900" cy="141600"/>
-          </a:xfrm>
-          <a:prstGeom prst="rect">
-            <a:avLst/>
-          </a:prstGeom>
-          <a:noFill/>
-          <a:ln w="9525" cap="flat" cmpd="sng">
-            <a:solidFill>
-              <a:srgbClr val="FF0000"/>
-            </a:solidFill>
-            <a:prstDash val="solid"/>
-            <a:round/>
-            <a:headEnd type="none" w="sm" len="sm"/>
-            <a:tailEnd type="none" w="sm" len="sm"/>
-          </a:ln>
-        </p:spPr>
-        <p:txBody>
-          <a:bodyPr spcFirstLastPara="1" wrap="square" lIns="9125" tIns="9125" rIns="9125" bIns="9125" anchor="t" anchorCtr="0">
-            <a:spAutoFit/>
-          </a:bodyPr>
-          <a:lstStyle/>
-          <a:p>
-            <a:pPr marL="0" lvl="0" indent="0" algn="l" rtl="0">
-              <a:spcBef>
-                <a:spcPts val="0"/>
-              </a:spcBef>
-              <a:spcAft>
-                <a:spcPts val="0"/>
-              </a:spcAft>
-              <a:buClr>
-                <a:srgbClr val="000000"/>
-              </a:buClr>
-              <a:buSzPts val="1100"/>
-              <a:buFont typeface="Arial"/>
-              <a:buNone/>
-            </a:pPr>
-            <a:r>
-              <a:rPr lang="en" sz="800">
-                <a:solidFill>
-                  <a:srgbClr val="1F2937"/>
-                </a:solidFill>
-                <a:highlight>
-                  <a:srgbClr val="FFFFFF"/>
-                </a:highlight>
-                <a:latin typeface="Calibri"/>
-                <a:ea typeface="Calibri"/>
-                <a:cs typeface="Calibri"/>
-                <a:sym typeface="Calibri"/>
-              </a:rPr>
-              <a:t>China</a:t>
-            </a:r>
-            <a:endParaRPr sz="800">
-              <a:solidFill>
-                <a:srgbClr val="1F2937"/>
-              </a:solidFill>
-              <a:highlight>
-                <a:srgbClr val="FFFFFF"/>
-              </a:highlight>
-              <a:latin typeface="Calibri"/>
-              <a:ea typeface="Calibri"/>
-              <a:cs typeface="Calibri"/>
-              <a:sym typeface="Calibri"/>
-            </a:endParaRPr>
-          </a:p>
-        </p:txBody>
-      </p:sp>
-      <p:sp>
-        <p:nvSpPr>
-          <p:cNvPr id="181" name="Google Shape;181;p24"/>
-          <p:cNvSpPr txBox="1"/>
-          <p:nvPr/>
-        </p:nvSpPr>
-        <p:spPr>
-          <a:xfrm>
-            <a:off x="372576" y="2774080"/>
-            <a:ext cx="287100" cy="141600"/>
-          </a:xfrm>
-          <a:prstGeom prst="rect">
-            <a:avLst/>
-          </a:prstGeom>
-          <a:noFill/>
-          <a:ln w="9525" cap="flat" cmpd="sng">
-            <a:solidFill>
-              <a:srgbClr val="FF0000"/>
-            </a:solidFill>
-            <a:prstDash val="solid"/>
-            <a:round/>
-            <a:headEnd type="none" w="sm" len="sm"/>
-            <a:tailEnd type="none" w="sm" len="sm"/>
-          </a:ln>
-        </p:spPr>
-        <p:txBody>
-          <a:bodyPr spcFirstLastPara="1" wrap="square" lIns="9125" tIns="9125" rIns="9125" bIns="9125" anchor="t" anchorCtr="0">
-            <a:spAutoFit/>
-          </a:bodyPr>
-          <a:lstStyle/>
-          <a:p>
-            <a:pPr marL="0" lvl="0" indent="0" algn="l" rtl="0">
-              <a:spcBef>
-                <a:spcPts val="0"/>
-              </a:spcBef>
-              <a:spcAft>
-                <a:spcPts val="0"/>
-              </a:spcAft>
-              <a:buClr>
-                <a:srgbClr val="000000"/>
-              </a:buClr>
-              <a:buSzPts val="1100"/>
-              <a:buFont typeface="Arial"/>
-              <a:buNone/>
-            </a:pPr>
-            <a:r>
-              <a:rPr lang="en" sz="800">
-                <a:solidFill>
-                  <a:srgbClr val="1F2937"/>
-                </a:solidFill>
-                <a:highlight>
-                  <a:srgbClr val="FFFFFF"/>
-                </a:highlight>
-                <a:latin typeface="Calibri"/>
-                <a:ea typeface="Calibri"/>
-                <a:cs typeface="Calibri"/>
-                <a:sym typeface="Calibri"/>
-              </a:rPr>
-              <a:t>China</a:t>
-            </a:r>
-            <a:endParaRPr sz="800">
-              <a:solidFill>
-                <a:srgbClr val="1F2937"/>
-              </a:solidFill>
-              <a:highlight>
-                <a:srgbClr val="FFFFFF"/>
-              </a:highlight>
-              <a:latin typeface="Calibri"/>
-              <a:ea typeface="Calibri"/>
-              <a:cs typeface="Calibri"/>
-              <a:sym typeface="Calibri"/>
-            </a:endParaRPr>
-          </a:p>
-        </p:txBody>
-      </p:sp>
-      <p:sp>
-        <p:nvSpPr>
-          <p:cNvPr id="182" name="Google Shape;182;p24"/>
+          <p:cNvPr id="193" name="Google Shape;193;p24"/>
           <p:cNvSpPr/>
           <p:nvPr/>
         </p:nvSpPr>
         <p:spPr>
           <a:xfrm>
-            <a:off x="683341" y="2784704"/>
+            <a:off x="5028975" y="3956805"/>
             <a:ext cx="125400" cy="125400"/>
           </a:xfrm>
           <a:prstGeom prst="ellipse">
@@ -15162,13 +15366,13 @@
       </p:sp>
       <p:sp>
         <p:nvSpPr>
-          <p:cNvPr id="183" name="Google Shape;183;p24"/>
+          <p:cNvPr id="194" name="Google Shape;194;p24"/>
           <p:cNvSpPr txBox="1"/>
           <p:nvPr/>
         </p:nvSpPr>
         <p:spPr>
           <a:xfrm>
-            <a:off x="4718103" y="1827288"/>
+            <a:off x="4866004" y="3763968"/>
             <a:ext cx="288900" cy="141600"/>
           </a:xfrm>
           <a:prstGeom prst="rect">
@@ -15237,20 +15441,20 @@
       </p:sp>
       <p:sp>
         <p:nvSpPr>
-          <p:cNvPr id="184" name="Google Shape;184;p24"/>
+          <p:cNvPr id="195" name="Google Shape;195;p24"/>
           <p:cNvSpPr/>
           <p:nvPr/>
         </p:nvSpPr>
         <p:spPr>
           <a:xfrm>
-            <a:off x="5001078" y="1832804"/>
+            <a:off x="701287" y="4144623"/>
             <a:ext cx="125400" cy="125400"/>
           </a:xfrm>
           <a:prstGeom prst="ellipse">
             <a:avLst/>
           </a:prstGeom>
           <a:solidFill>
-            <a:srgbClr val="6AA84F"/>
+            <a:srgbClr val="FF0000"/>
           </a:solidFill>
           <a:ln w="9525" cap="flat" cmpd="sng">
             <a:solidFill>
@@ -15283,13 +15487,88 @@
       </p:sp>
       <p:sp>
         <p:nvSpPr>
-          <p:cNvPr id="185" name="Google Shape;185;p24"/>
+          <p:cNvPr id="196" name="Google Shape;196;p24"/>
+          <p:cNvSpPr txBox="1"/>
+          <p:nvPr/>
+        </p:nvSpPr>
+        <p:spPr>
+          <a:xfrm>
+            <a:off x="528397" y="4497954"/>
+            <a:ext cx="288900" cy="141600"/>
+          </a:xfrm>
+          <a:prstGeom prst="rect">
+            <a:avLst/>
+          </a:prstGeom>
+          <a:noFill/>
+          <a:ln w="9525" cap="flat" cmpd="sng">
+            <a:solidFill>
+              <a:srgbClr val="FF0000"/>
+            </a:solidFill>
+            <a:prstDash val="solid"/>
+            <a:round/>
+            <a:headEnd type="none" w="sm" len="sm"/>
+            <a:tailEnd type="none" w="sm" len="sm"/>
+          </a:ln>
+        </p:spPr>
+        <p:txBody>
+          <a:bodyPr spcFirstLastPara="1" wrap="square" lIns="9125" tIns="9125" rIns="9125" bIns="9125" anchor="t" anchorCtr="0">
+            <a:spAutoFit/>
+          </a:bodyPr>
+          <a:lstStyle/>
+          <a:p>
+            <a:pPr marL="0" lvl="0" indent="0" algn="l" rtl="0">
+              <a:spcBef>
+                <a:spcPts val="0"/>
+              </a:spcBef>
+              <a:spcAft>
+                <a:spcPts val="0"/>
+              </a:spcAft>
+              <a:buClr>
+                <a:srgbClr val="000000"/>
+              </a:buClr>
+              <a:buSzPts val="1100"/>
+              <a:buFont typeface="Arial"/>
+              <a:buNone/>
+            </a:pPr>
+            <a:r>
+              <a:rPr lang="en" sz="800">
+                <a:solidFill>
+                  <a:srgbClr val="1F2937"/>
+                </a:solidFill>
+                <a:highlight>
+                  <a:srgbClr val="FFFFFF"/>
+                </a:highlight>
+                <a:latin typeface="Calibri"/>
+                <a:ea typeface="Calibri"/>
+                <a:cs typeface="Calibri"/>
+                <a:sym typeface="Calibri"/>
+              </a:rPr>
+              <a:t>China</a:t>
+            </a:r>
+            <a:endParaRPr sz="800">
+              <a:solidFill>
+                <a:srgbClr val="1F2937"/>
+              </a:solidFill>
+              <a:highlight>
+                <a:srgbClr val="FFFFFF"/>
+              </a:highlight>
+              <a:latin typeface="Calibri"/>
+              <a:ea typeface="Calibri"/>
+              <a:cs typeface="Calibri"/>
+              <a:sym typeface="Calibri"/>
+            </a:endParaRPr>
+          </a:p>
+        </p:txBody>
+      </p:sp>
+      <p:sp>
+        <p:nvSpPr>
+          <p:cNvPr id="197" name="Google Shape;197;p24"/>
           <p:cNvSpPr/>
           <p:nvPr/>
         </p:nvSpPr>
         <p:spPr>
           <a:xfrm>
-            <a:off x="5008284" y="2219498"/>
+            <a:off x="5036121" y="2798460"/>
             <a:ext cx="125400" cy="125400"/>
           </a:xfrm>
           <a:prstGeom prst="ellipse">
@@ -15329,370 +15608,7 @@
       </p:sp>
       <p:sp>
         <p:nvSpPr>
-          <p:cNvPr id="186" name="Google Shape;186;p24"/>
-          <p:cNvSpPr txBox="1"/>
-          <p:nvPr/>
-        </p:nvSpPr>
-        <p:spPr>
-          <a:xfrm>
-            <a:off x="4837040" y="2976174"/>
-            <a:ext cx="288900" cy="141600"/>
-          </a:xfrm>
-          <a:prstGeom prst="rect">
-            <a:avLst/>
-          </a:prstGeom>
-          <a:noFill/>
-          <a:ln w="9525" cap="flat" cmpd="sng">
-            <a:solidFill>
-              <a:srgbClr val="FF0000"/>
-            </a:solidFill>
-            <a:prstDash val="solid"/>
-            <a:round/>
-            <a:headEnd type="none" w="sm" len="sm"/>
-            <a:tailEnd type="none" w="sm" len="sm"/>
-          </a:ln>
-        </p:spPr>
-        <p:txBody>
-          <a:bodyPr spcFirstLastPara="1" wrap="square" lIns="9125" tIns="9125" rIns="9125" bIns="9125" anchor="t" anchorCtr="0">
-            <a:spAutoFit/>
-          </a:bodyPr>
-          <a:lstStyle/>
-          <a:p>
-            <a:pPr marL="0" lvl="0" indent="0" algn="l" rtl="0">
-              <a:spcBef>
-                <a:spcPts val="0"/>
-              </a:spcBef>
-              <a:spcAft>
-                <a:spcPts val="0"/>
-              </a:spcAft>
-              <a:buClr>
-                <a:srgbClr val="000000"/>
-              </a:buClr>
-              <a:buSzPts val="1100"/>
-              <a:buFont typeface="Arial"/>
-              <a:buNone/>
-            </a:pPr>
-            <a:r>
-              <a:rPr lang="en" sz="800">
-                <a:solidFill>
-                  <a:srgbClr val="1F2937"/>
-                </a:solidFill>
-                <a:highlight>
-                  <a:srgbClr val="FFFFFF"/>
-                </a:highlight>
-                <a:latin typeface="Calibri"/>
-                <a:ea typeface="Calibri"/>
-                <a:cs typeface="Calibri"/>
-                <a:sym typeface="Calibri"/>
-              </a:rPr>
-              <a:t>China</a:t>
-            </a:r>
-            <a:endParaRPr sz="800">
-              <a:solidFill>
-                <a:srgbClr val="1F2937"/>
-              </a:solidFill>
-              <a:highlight>
-                <a:srgbClr val="FFFFFF"/>
-              </a:highlight>
-              <a:latin typeface="Calibri"/>
-              <a:ea typeface="Calibri"/>
-              <a:cs typeface="Calibri"/>
-              <a:sym typeface="Calibri"/>
-            </a:endParaRPr>
-          </a:p>
-        </p:txBody>
-      </p:sp>
-      <p:sp>
-        <p:nvSpPr>
-          <p:cNvPr id="187" name="Google Shape;187;p24"/>
-          <p:cNvSpPr/>
-          <p:nvPr/>
-        </p:nvSpPr>
-        <p:spPr>
-          <a:xfrm>
-            <a:off x="5008095" y="3548326"/>
-            <a:ext cx="125400" cy="125400"/>
-          </a:xfrm>
-          <a:prstGeom prst="ellipse">
-            <a:avLst/>
-          </a:prstGeom>
-          <a:solidFill>
-            <a:srgbClr val="6AA84F"/>
-          </a:solidFill>
-          <a:ln w="9525" cap="flat" cmpd="sng">
-            <a:solidFill>
-              <a:srgbClr val="595959"/>
-            </a:solidFill>
-            <a:prstDash val="solid"/>
-            <a:round/>
-            <a:headEnd type="none" w="sm" len="sm"/>
-            <a:tailEnd type="none" w="sm" len="sm"/>
-          </a:ln>
-        </p:spPr>
-        <p:txBody>
-          <a:bodyPr spcFirstLastPara="1" wrap="square" lIns="91425" tIns="91425" rIns="91425" bIns="91425" anchor="ctr" anchorCtr="0">
-            <a:noAutofit/>
-          </a:bodyPr>
-          <a:lstStyle/>
-          <a:p>
-            <a:pPr marL="0" lvl="0" indent="0" algn="ctr" rtl="0">
-              <a:spcBef>
-                <a:spcPts val="0"/>
-              </a:spcBef>
-              <a:spcAft>
-                <a:spcPts val="0"/>
-              </a:spcAft>
-              <a:buNone/>
-            </a:pPr>
-            <a:endParaRPr/>
-          </a:p>
-        </p:txBody>
-      </p:sp>
-      <p:sp>
-        <p:nvSpPr>
-          <p:cNvPr id="188" name="Google Shape;188;p24"/>
-          <p:cNvSpPr txBox="1"/>
-          <p:nvPr/>
-        </p:nvSpPr>
-        <p:spPr>
-          <a:xfrm>
-            <a:off x="4845124" y="3729168"/>
-            <a:ext cx="288900" cy="141600"/>
-          </a:xfrm>
-          <a:prstGeom prst="rect">
-            <a:avLst/>
-          </a:prstGeom>
-          <a:noFill/>
-          <a:ln w="9525" cap="flat" cmpd="sng">
-            <a:solidFill>
-              <a:srgbClr val="FF0000"/>
-            </a:solidFill>
-            <a:prstDash val="solid"/>
-            <a:round/>
-            <a:headEnd type="none" w="sm" len="sm"/>
-            <a:tailEnd type="none" w="sm" len="sm"/>
-          </a:ln>
-        </p:spPr>
-        <p:txBody>
-          <a:bodyPr spcFirstLastPara="1" wrap="square" lIns="9125" tIns="9125" rIns="9125" bIns="9125" anchor="t" anchorCtr="0">
-            <a:spAutoFit/>
-          </a:bodyPr>
-          <a:lstStyle/>
-          <a:p>
-            <a:pPr marL="0" lvl="0" indent="0" algn="l" rtl="0">
-              <a:spcBef>
-                <a:spcPts val="0"/>
-              </a:spcBef>
-              <a:spcAft>
-                <a:spcPts val="0"/>
-              </a:spcAft>
-              <a:buClr>
-                <a:srgbClr val="000000"/>
-              </a:buClr>
-              <a:buSzPts val="1100"/>
-              <a:buFont typeface="Arial"/>
-              <a:buNone/>
-            </a:pPr>
-            <a:r>
-              <a:rPr lang="en" sz="800">
-                <a:solidFill>
-                  <a:srgbClr val="1F2937"/>
-                </a:solidFill>
-                <a:highlight>
-                  <a:srgbClr val="FFFFFF"/>
-                </a:highlight>
-                <a:latin typeface="Calibri"/>
-                <a:ea typeface="Calibri"/>
-                <a:cs typeface="Calibri"/>
-                <a:sym typeface="Calibri"/>
-              </a:rPr>
-              <a:t>China</a:t>
-            </a:r>
-            <a:endParaRPr sz="800">
-              <a:solidFill>
-                <a:srgbClr val="1F2937"/>
-              </a:solidFill>
-              <a:highlight>
-                <a:srgbClr val="FFFFFF"/>
-              </a:highlight>
-              <a:latin typeface="Calibri"/>
-              <a:ea typeface="Calibri"/>
-              <a:cs typeface="Calibri"/>
-              <a:sym typeface="Calibri"/>
-            </a:endParaRPr>
-          </a:p>
-        </p:txBody>
-      </p:sp>
-      <p:sp>
-        <p:nvSpPr>
-          <p:cNvPr id="189" name="Google Shape;189;p24"/>
-          <p:cNvSpPr/>
-          <p:nvPr/>
-        </p:nvSpPr>
-        <p:spPr>
-          <a:xfrm>
-            <a:off x="682037" y="3744337"/>
-            <a:ext cx="125400" cy="125400"/>
-          </a:xfrm>
-          <a:prstGeom prst="ellipse">
-            <a:avLst/>
-          </a:prstGeom>
-          <a:solidFill>
-            <a:srgbClr val="FF0000"/>
-          </a:solidFill>
-          <a:ln w="9525" cap="flat" cmpd="sng">
-            <a:solidFill>
-              <a:srgbClr val="595959"/>
-            </a:solidFill>
-            <a:prstDash val="solid"/>
-            <a:round/>
-            <a:headEnd type="none" w="sm" len="sm"/>
-            <a:tailEnd type="none" w="sm" len="sm"/>
-          </a:ln>
-        </p:spPr>
-        <p:txBody>
-          <a:bodyPr spcFirstLastPara="1" wrap="square" lIns="91425" tIns="91425" rIns="91425" bIns="91425" anchor="ctr" anchorCtr="0">
-            <a:noAutofit/>
-          </a:bodyPr>
-          <a:lstStyle/>
-          <a:p>
-            <a:pPr marL="0" lvl="0" indent="0" algn="ctr" rtl="0">
-              <a:spcBef>
-                <a:spcPts val="0"/>
-              </a:spcBef>
-              <a:spcAft>
-                <a:spcPts val="0"/>
-              </a:spcAft>
-              <a:buNone/>
-            </a:pPr>
-            <a:endParaRPr/>
-          </a:p>
-        </p:txBody>
-      </p:sp>
-      <p:sp>
-        <p:nvSpPr>
-          <p:cNvPr id="190" name="Google Shape;190;p24"/>
-          <p:cNvSpPr txBox="1"/>
-          <p:nvPr/>
-        </p:nvSpPr>
-        <p:spPr>
-          <a:xfrm>
-            <a:off x="528397" y="4127529"/>
-            <a:ext cx="288900" cy="141600"/>
-          </a:xfrm>
-          <a:prstGeom prst="rect">
-            <a:avLst/>
-          </a:prstGeom>
-          <a:noFill/>
-          <a:ln w="9525" cap="flat" cmpd="sng">
-            <a:solidFill>
-              <a:srgbClr val="FF0000"/>
-            </a:solidFill>
-            <a:prstDash val="solid"/>
-            <a:round/>
-            <a:headEnd type="none" w="sm" len="sm"/>
-            <a:tailEnd type="none" w="sm" len="sm"/>
-          </a:ln>
-        </p:spPr>
-        <p:txBody>
-          <a:bodyPr spcFirstLastPara="1" wrap="square" lIns="9125" tIns="9125" rIns="9125" bIns="9125" anchor="t" anchorCtr="0">
-            <a:spAutoFit/>
-          </a:bodyPr>
-          <a:lstStyle/>
-          <a:p>
-            <a:pPr marL="0" lvl="0" indent="0" algn="l" rtl="0">
-              <a:spcBef>
-                <a:spcPts val="0"/>
-              </a:spcBef>
-              <a:spcAft>
-                <a:spcPts val="0"/>
-              </a:spcAft>
-              <a:buClr>
-                <a:srgbClr val="000000"/>
-              </a:buClr>
-              <a:buSzPts val="1100"/>
-              <a:buFont typeface="Arial"/>
-              <a:buNone/>
-            </a:pPr>
-            <a:r>
-              <a:rPr lang="en" sz="800">
-                <a:solidFill>
-                  <a:srgbClr val="1F2937"/>
-                </a:solidFill>
-                <a:highlight>
-                  <a:srgbClr val="FFFFFF"/>
-                </a:highlight>
-                <a:latin typeface="Calibri"/>
-                <a:ea typeface="Calibri"/>
-                <a:cs typeface="Calibri"/>
-                <a:sym typeface="Calibri"/>
-              </a:rPr>
-              <a:t>China</a:t>
-            </a:r>
-            <a:endParaRPr sz="800">
-              <a:solidFill>
-                <a:srgbClr val="1F2937"/>
-              </a:solidFill>
-              <a:highlight>
-                <a:srgbClr val="FFFFFF"/>
-              </a:highlight>
-              <a:latin typeface="Calibri"/>
-              <a:ea typeface="Calibri"/>
-              <a:cs typeface="Calibri"/>
-              <a:sym typeface="Calibri"/>
-            </a:endParaRPr>
-          </a:p>
-        </p:txBody>
-      </p:sp>
-      <p:sp>
-        <p:nvSpPr>
-          <p:cNvPr id="191" name="Google Shape;191;p24"/>
-          <p:cNvSpPr/>
-          <p:nvPr/>
-        </p:nvSpPr>
-        <p:spPr>
-          <a:xfrm>
-            <a:off x="5008280" y="2770619"/>
-            <a:ext cx="125400" cy="125400"/>
-          </a:xfrm>
-          <a:prstGeom prst="ellipse">
-            <a:avLst/>
-          </a:prstGeom>
-          <a:solidFill>
-            <a:srgbClr val="FFFF00"/>
-          </a:solidFill>
-          <a:ln w="9525" cap="flat" cmpd="sng">
-            <a:solidFill>
-              <a:srgbClr val="595959"/>
-            </a:solidFill>
-            <a:prstDash val="solid"/>
-            <a:round/>
-            <a:headEnd type="none" w="sm" len="sm"/>
-            <a:tailEnd type="none" w="sm" len="sm"/>
-          </a:ln>
-        </p:spPr>
-        <p:txBody>
-          <a:bodyPr spcFirstLastPara="1" wrap="square" lIns="91425" tIns="91425" rIns="91425" bIns="91425" anchor="ctr" anchorCtr="0">
-            <a:noAutofit/>
-          </a:bodyPr>
-          <a:lstStyle/>
-          <a:p>
-            <a:pPr marL="0" lvl="0" indent="0" algn="ctr" rtl="0">
-              <a:spcBef>
-                <a:spcPts val="0"/>
-              </a:spcBef>
-              <a:spcAft>
-                <a:spcPts val="0"/>
-              </a:spcAft>
-              <a:buNone/>
-            </a:pPr>
-            <a:endParaRPr/>
-          </a:p>
-        </p:txBody>
-      </p:sp>
-      <p:sp>
-        <p:nvSpPr>
-          <p:cNvPr id="192" name="Google Shape;192;p24"/>
+          <p:cNvPr id="198" name="Google Shape;198;p24"/>
           <p:cNvSpPr txBox="1"/>
           <p:nvPr/>
         </p:nvSpPr>
@@ -15767,13 +15683,13 @@
       </p:sp>
       <p:sp>
         <p:nvSpPr>
-          <p:cNvPr id="193" name="Google Shape;193;p24"/>
+          <p:cNvPr id="199" name="Google Shape;199;p24"/>
           <p:cNvSpPr/>
           <p:nvPr/>
         </p:nvSpPr>
         <p:spPr>
           <a:xfrm>
-            <a:off x="5004045" y="3177641"/>
+            <a:off x="5031885" y="3565601"/>
             <a:ext cx="125400" cy="125400"/>
           </a:xfrm>
           <a:prstGeom prst="ellipse">
@@ -15813,160 +15729,7 @@
       </p:sp>
       <p:sp>
         <p:nvSpPr>
-          <p:cNvPr id="194" name="Google Shape;194;p24"/>
-          <p:cNvSpPr txBox="1"/>
-          <p:nvPr/>
-        </p:nvSpPr>
-        <p:spPr>
-          <a:xfrm>
-            <a:off x="4713392" y="4498619"/>
-            <a:ext cx="288900" cy="141600"/>
-          </a:xfrm>
-          <a:prstGeom prst="rect">
-            <a:avLst/>
-          </a:prstGeom>
-          <a:noFill/>
-          <a:ln w="9525" cap="flat" cmpd="sng">
-            <a:solidFill>
-              <a:srgbClr val="FF0000"/>
-            </a:solidFill>
-            <a:prstDash val="solid"/>
-            <a:round/>
-            <a:headEnd type="none" w="sm" len="sm"/>
-            <a:tailEnd type="none" w="sm" len="sm"/>
-          </a:ln>
-        </p:spPr>
-        <p:txBody>
-          <a:bodyPr spcFirstLastPara="1" wrap="square" lIns="9125" tIns="9125" rIns="9125" bIns="9125" anchor="t" anchorCtr="0">
-            <a:spAutoFit/>
-          </a:bodyPr>
-          <a:lstStyle/>
-          <a:p>
-            <a:pPr marL="0" lvl="0" indent="0" algn="l" rtl="0">
-              <a:spcBef>
-                <a:spcPts val="0"/>
-              </a:spcBef>
-              <a:spcAft>
-                <a:spcPts val="0"/>
-              </a:spcAft>
-              <a:buClr>
-                <a:srgbClr val="000000"/>
-              </a:buClr>
-              <a:buSzPts val="1100"/>
-              <a:buFont typeface="Arial"/>
-              <a:buNone/>
-            </a:pPr>
-            <a:r>
-              <a:rPr lang="en" sz="800">
-                <a:solidFill>
-                  <a:srgbClr val="1F2937"/>
-                </a:solidFill>
-                <a:highlight>
-                  <a:srgbClr val="FFFFFF"/>
-                </a:highlight>
-                <a:latin typeface="Calibri"/>
-                <a:ea typeface="Calibri"/>
-                <a:cs typeface="Calibri"/>
-                <a:sym typeface="Calibri"/>
-              </a:rPr>
-              <a:t>China</a:t>
-            </a:r>
-            <a:endParaRPr sz="800">
-              <a:solidFill>
-                <a:srgbClr val="1F2937"/>
-              </a:solidFill>
-              <a:highlight>
-                <a:srgbClr val="FFFFFF"/>
-              </a:highlight>
-              <a:latin typeface="Calibri"/>
-              <a:ea typeface="Calibri"/>
-              <a:cs typeface="Calibri"/>
-              <a:sym typeface="Calibri"/>
-            </a:endParaRPr>
-          </a:p>
-        </p:txBody>
-      </p:sp>
-      <p:pic>
-        <p:nvPicPr>
-          <p:cNvPr id="195" name="Google Shape;195;p24"/>
-          <p:cNvPicPr preferRelativeResize="0"/>
-          <p:nvPr/>
-        </p:nvPicPr>
-        <p:blipFill>
-          <a:blip r:embed="rId5" cstate="email">
-            <a:alphaModFix/>
-            <a:extLst>
-              <a:ext uri="{28A0092B-C50C-407E-A947-70E740481C1C}">
-                <a14:useLocalDpi xmlns:a14="http://schemas.microsoft.com/office/drawing/2010/main"/>
-              </a:ext>
-            </a:extLst>
-          </a:blip>
-          <a:stretch>
-            <a:fillRect/>
-          </a:stretch>
-        </p:blipFill>
-        <p:spPr>
-          <a:xfrm>
-            <a:off x="832094" y="858825"/>
-            <a:ext cx="3090300" cy="4205901"/>
-          </a:xfrm>
-          <a:prstGeom prst="rect">
-            <a:avLst/>
-          </a:prstGeom>
-          <a:noFill/>
-          <a:ln w="9525" cap="flat" cmpd="sng">
-            <a:solidFill>
-              <a:srgbClr val="FF0000"/>
-            </a:solidFill>
-            <a:prstDash val="solid"/>
-            <a:round/>
-            <a:headEnd type="none" w="sm" len="sm"/>
-            <a:tailEnd type="none" w="sm" len="sm"/>
-          </a:ln>
-        </p:spPr>
-      </p:pic>
-      <p:pic>
-        <p:nvPicPr>
-          <p:cNvPr id="196" name="Google Shape;196;p24"/>
-          <p:cNvPicPr preferRelativeResize="0"/>
-          <p:nvPr/>
-        </p:nvPicPr>
-        <p:blipFill>
-          <a:blip r:embed="rId6" cstate="email">
-            <a:alphaModFix/>
-            <a:extLst>
-              <a:ext uri="{28A0092B-C50C-407E-A947-70E740481C1C}">
-                <a14:useLocalDpi xmlns:a14="http://schemas.microsoft.com/office/drawing/2010/main"/>
-              </a:ext>
-            </a:extLst>
-          </a:blip>
-          <a:stretch>
-            <a:fillRect/>
-          </a:stretch>
-        </p:blipFill>
-        <p:spPr>
-          <a:xfrm>
-            <a:off x="5156307" y="858825"/>
-            <a:ext cx="3109544" cy="4205901"/>
-          </a:xfrm>
-          <a:prstGeom prst="rect">
-            <a:avLst/>
-          </a:prstGeom>
-          <a:noFill/>
-          <a:ln w="9525" cap="flat" cmpd="sng">
-            <a:solidFill>
-              <a:srgbClr val="FF0000"/>
-            </a:solidFill>
-            <a:prstDash val="solid"/>
-            <a:round/>
-            <a:headEnd type="none" w="sm" len="sm"/>
-            <a:tailEnd type="none" w="sm" len="sm"/>
-          </a:ln>
-        </p:spPr>
-      </p:pic>
-      <p:sp>
-        <p:nvSpPr>
-          <p:cNvPr id="197" name="Google Shape;197;p24"/>
+          <p:cNvPr id="200" name="Google Shape;200;p24"/>
           <p:cNvSpPr txBox="1"/>
           <p:nvPr/>
         </p:nvSpPr>
@@ -16037,7 +15800,7 @@
       </p:sp>
       <p:sp>
         <p:nvSpPr>
-          <p:cNvPr id="198" name="Google Shape;198;p24"/>
+          <p:cNvPr id="201" name="Google Shape;201;p24"/>
           <p:cNvSpPr txBox="1"/>
           <p:nvPr/>
         </p:nvSpPr>
@@ -16112,13 +15875,13 @@
       </p:sp>
       <p:sp>
         <p:nvSpPr>
-          <p:cNvPr id="199" name="Google Shape;199;p24"/>
+          <p:cNvPr id="202" name="Google Shape;202;p24"/>
           <p:cNvSpPr txBox="1"/>
           <p:nvPr/>
         </p:nvSpPr>
         <p:spPr>
           <a:xfrm flipH="1">
-            <a:off x="4945662" y="1055267"/>
+            <a:off x="4952622" y="1076147"/>
             <a:ext cx="194400" cy="141600"/>
           </a:xfrm>
           <a:prstGeom prst="rect">
@@ -16183,13 +15946,13 @@
       </p:sp>
       <p:sp>
         <p:nvSpPr>
-          <p:cNvPr id="200" name="Google Shape;200;p24"/>
+          <p:cNvPr id="203" name="Google Shape;203;p24"/>
           <p:cNvSpPr/>
           <p:nvPr/>
         </p:nvSpPr>
         <p:spPr>
           <a:xfrm>
-            <a:off x="5015486" y="4509011"/>
+            <a:off x="5015486" y="4529891"/>
             <a:ext cx="125400" cy="125400"/>
           </a:xfrm>
           <a:prstGeom prst="ellipse">
@@ -16229,13 +15992,13 @@
       </p:sp>
       <p:sp>
         <p:nvSpPr>
-          <p:cNvPr id="201" name="Google Shape;201;p24"/>
+          <p:cNvPr id="204" name="Google Shape;204;p24"/>
           <p:cNvSpPr txBox="1"/>
           <p:nvPr/>
         </p:nvSpPr>
         <p:spPr>
           <a:xfrm>
-            <a:off x="4851385" y="4866299"/>
+            <a:off x="4733063" y="4907699"/>
             <a:ext cx="288900" cy="141600"/>
           </a:xfrm>
           <a:prstGeom prst="rect">
@@ -16302,6 +16065,251 @@
           </a:p>
         </p:txBody>
       </p:sp>
+      <p:pic>
+        <p:nvPicPr>
+          <p:cNvPr id="205" name="Google Shape;205;p24"/>
+          <p:cNvPicPr preferRelativeResize="0"/>
+          <p:nvPr/>
+        </p:nvPicPr>
+        <p:blipFill>
+          <a:blip r:embed="rId5" cstate="email">
+            <a:alphaModFix/>
+            <a:extLst>
+              <a:ext uri="{28A0092B-C50C-407E-A947-70E740481C1C}">
+                <a14:useLocalDpi xmlns:a14="http://schemas.microsoft.com/office/drawing/2010/main"/>
+              </a:ext>
+            </a:extLst>
+          </a:blip>
+          <a:stretch>
+            <a:fillRect/>
+          </a:stretch>
+        </p:blipFill>
+        <p:spPr>
+          <a:xfrm>
+            <a:off x="5173425" y="858825"/>
+            <a:ext cx="3387895" cy="4205901"/>
+          </a:xfrm>
+          <a:prstGeom prst="rect">
+            <a:avLst/>
+          </a:prstGeom>
+          <a:noFill/>
+          <a:ln w="9525" cap="flat" cmpd="sng">
+            <a:solidFill>
+              <a:srgbClr val="FF0000"/>
+            </a:solidFill>
+            <a:prstDash val="solid"/>
+            <a:round/>
+            <a:headEnd type="none" w="sm" len="sm"/>
+            <a:tailEnd type="none" w="sm" len="sm"/>
+          </a:ln>
+        </p:spPr>
+      </p:pic>
+      <p:pic>
+        <p:nvPicPr>
+          <p:cNvPr id="206" name="Google Shape;206;p24"/>
+          <p:cNvPicPr preferRelativeResize="0"/>
+          <p:nvPr/>
+        </p:nvPicPr>
+        <p:blipFill>
+          <a:blip r:embed="rId6" cstate="email">
+            <a:alphaModFix/>
+            <a:extLst>
+              <a:ext uri="{28A0092B-C50C-407E-A947-70E740481C1C}">
+                <a14:useLocalDpi xmlns:a14="http://schemas.microsoft.com/office/drawing/2010/main"/>
+              </a:ext>
+            </a:extLst>
+          </a:blip>
+          <a:stretch>
+            <a:fillRect/>
+          </a:stretch>
+        </p:blipFill>
+        <p:spPr>
+          <a:xfrm>
+            <a:off x="843450" y="858825"/>
+            <a:ext cx="3252644" cy="4205901"/>
+          </a:xfrm>
+          <a:prstGeom prst="rect">
+            <a:avLst/>
+          </a:prstGeom>
+          <a:noFill/>
+          <a:ln w="9525" cap="flat" cmpd="sng">
+            <a:solidFill>
+              <a:srgbClr val="FF0000"/>
+            </a:solidFill>
+            <a:prstDash val="solid"/>
+            <a:round/>
+            <a:headEnd type="none" w="sm" len="sm"/>
+            <a:tailEnd type="none" w="sm" len="sm"/>
+          </a:ln>
+        </p:spPr>
+      </p:pic>
+      <p:sp>
+        <p:nvSpPr>
+          <p:cNvPr id="207" name="Google Shape;207;p24"/>
+          <p:cNvSpPr/>
+          <p:nvPr/>
+        </p:nvSpPr>
+        <p:spPr>
+          <a:xfrm>
+            <a:off x="692322" y="2618055"/>
+            <a:ext cx="125400" cy="125400"/>
+          </a:xfrm>
+          <a:prstGeom prst="ellipse">
+            <a:avLst/>
+          </a:prstGeom>
+          <a:solidFill>
+            <a:srgbClr val="FFFF00"/>
+          </a:solidFill>
+          <a:ln w="9525" cap="flat" cmpd="sng">
+            <a:solidFill>
+              <a:srgbClr val="595959"/>
+            </a:solidFill>
+            <a:prstDash val="solid"/>
+            <a:round/>
+            <a:headEnd type="none" w="sm" len="sm"/>
+            <a:tailEnd type="none" w="sm" len="sm"/>
+          </a:ln>
+        </p:spPr>
+        <p:txBody>
+          <a:bodyPr spcFirstLastPara="1" wrap="square" lIns="91425" tIns="91425" rIns="91425" bIns="91425" anchor="ctr" anchorCtr="0">
+            <a:noAutofit/>
+          </a:bodyPr>
+          <a:lstStyle/>
+          <a:p>
+            <a:pPr marL="0" lvl="0" indent="0" algn="ctr" rtl="0">
+              <a:spcBef>
+                <a:spcPts val="0"/>
+              </a:spcBef>
+              <a:spcAft>
+                <a:spcPts val="0"/>
+              </a:spcAft>
+              <a:buNone/>
+            </a:pPr>
+            <a:endParaRPr/>
+          </a:p>
+        </p:txBody>
+      </p:sp>
+      <p:sp>
+        <p:nvSpPr>
+          <p:cNvPr id="208" name="Google Shape;208;p24"/>
+          <p:cNvSpPr txBox="1"/>
+          <p:nvPr/>
+        </p:nvSpPr>
+        <p:spPr>
+          <a:xfrm>
+            <a:off x="529306" y="3178332"/>
+            <a:ext cx="287100" cy="141600"/>
+          </a:xfrm>
+          <a:prstGeom prst="rect">
+            <a:avLst/>
+          </a:prstGeom>
+          <a:noFill/>
+          <a:ln w="9525" cap="flat" cmpd="sng">
+            <a:solidFill>
+              <a:srgbClr val="FF0000"/>
+            </a:solidFill>
+            <a:prstDash val="solid"/>
+            <a:round/>
+            <a:headEnd type="none" w="sm" len="sm"/>
+            <a:tailEnd type="none" w="sm" len="sm"/>
+          </a:ln>
+        </p:spPr>
+        <p:txBody>
+          <a:bodyPr spcFirstLastPara="1" wrap="square" lIns="9125" tIns="9125" rIns="9125" bIns="9125" anchor="t" anchorCtr="0">
+            <a:spAutoFit/>
+          </a:bodyPr>
+          <a:lstStyle/>
+          <a:p>
+            <a:pPr marL="0" lvl="0" indent="0" algn="l" rtl="0">
+              <a:spcBef>
+                <a:spcPts val="0"/>
+              </a:spcBef>
+              <a:spcAft>
+                <a:spcPts val="0"/>
+              </a:spcAft>
+              <a:buClr>
+                <a:srgbClr val="000000"/>
+              </a:buClr>
+              <a:buSzPts val="1100"/>
+              <a:buFont typeface="Arial"/>
+              <a:buNone/>
+            </a:pPr>
+            <a:r>
+              <a:rPr lang="en" sz="800">
+                <a:solidFill>
+                  <a:srgbClr val="1F2937"/>
+                </a:solidFill>
+                <a:highlight>
+                  <a:srgbClr val="FFFFFF"/>
+                </a:highlight>
+                <a:latin typeface="Calibri"/>
+                <a:ea typeface="Calibri"/>
+                <a:cs typeface="Calibri"/>
+                <a:sym typeface="Calibri"/>
+              </a:rPr>
+              <a:t>China</a:t>
+            </a:r>
+            <a:endParaRPr sz="800">
+              <a:solidFill>
+                <a:srgbClr val="1F2937"/>
+              </a:solidFill>
+              <a:highlight>
+                <a:srgbClr val="FFFFFF"/>
+              </a:highlight>
+              <a:latin typeface="Calibri"/>
+              <a:ea typeface="Calibri"/>
+              <a:cs typeface="Calibri"/>
+              <a:sym typeface="Calibri"/>
+            </a:endParaRPr>
+          </a:p>
+        </p:txBody>
+      </p:sp>
+      <p:sp>
+        <p:nvSpPr>
+          <p:cNvPr id="209" name="Google Shape;209;p24"/>
+          <p:cNvSpPr/>
+          <p:nvPr/>
+        </p:nvSpPr>
+        <p:spPr>
+          <a:xfrm>
+            <a:off x="5036121" y="2999580"/>
+            <a:ext cx="125400" cy="125400"/>
+          </a:xfrm>
+          <a:prstGeom prst="ellipse">
+            <a:avLst/>
+          </a:prstGeom>
+          <a:solidFill>
+            <a:srgbClr val="FFFF00"/>
+          </a:solidFill>
+          <a:ln w="9525" cap="flat" cmpd="sng">
+            <a:solidFill>
+              <a:srgbClr val="595959"/>
+            </a:solidFill>
+            <a:prstDash val="solid"/>
+            <a:round/>
+            <a:headEnd type="none" w="sm" len="sm"/>
+            <a:tailEnd type="none" w="sm" len="sm"/>
+          </a:ln>
+        </p:spPr>
+        <p:txBody>
+          <a:bodyPr spcFirstLastPara="1" wrap="square" lIns="91425" tIns="91425" rIns="91425" bIns="91425" anchor="ctr" anchorCtr="0">
+            <a:noAutofit/>
+          </a:bodyPr>
+          <a:lstStyle/>
+          <a:p>
+            <a:pPr marL="0" lvl="0" indent="0" algn="ctr" rtl="0">
+              <a:spcBef>
+                <a:spcPts val="0"/>
+              </a:spcBef>
+              <a:spcAft>
+                <a:spcPts val="0"/>
+              </a:spcAft>
+              <a:buNone/>
+            </a:pPr>
+            <a:endParaRPr/>
+          </a:p>
+        </p:txBody>
+      </p:sp>
     </p:spTree>
   </p:cSld>
   <p:clrMapOvr>
@@ -16315,7 +16323,7 @@
   <p:cSld>
     <p:spTree>
       <p:nvGrpSpPr>
-        <p:cNvPr id="1" name="Shape 205"/>
+        <p:cNvPr id="1" name="Shape 213"/>
         <p:cNvGrpSpPr/>
         <p:nvPr/>
       </p:nvGrpSpPr>
@@ -16329,7 +16337,7 @@
       </p:grpSpPr>
       <p:sp>
         <p:nvSpPr>
-          <p:cNvPr id="206" name="Google Shape;206;p25"/>
+          <p:cNvPr id="214" name="Google Shape;214;p25"/>
           <p:cNvSpPr txBox="1"/>
           <p:nvPr/>
         </p:nvSpPr>
@@ -16403,7 +16411,7 @@
       </p:sp>
       <p:sp>
         <p:nvSpPr>
-          <p:cNvPr id="207" name="Google Shape;207;p25"/>
+          <p:cNvPr id="215" name="Google Shape;215;p25"/>
           <p:cNvSpPr txBox="1"/>
           <p:nvPr/>
         </p:nvSpPr>
@@ -16469,7 +16477,7 @@
       </p:sp>
       <p:sp>
         <p:nvSpPr>
-          <p:cNvPr id="208" name="Google Shape;208;p25"/>
+          <p:cNvPr id="216" name="Google Shape;216;p25"/>
           <p:cNvSpPr txBox="1"/>
           <p:nvPr/>
         </p:nvSpPr>
@@ -16543,7 +16551,7 @@
       </p:sp>
       <p:sp>
         <p:nvSpPr>
-          <p:cNvPr id="209" name="Google Shape;209;p25"/>
+          <p:cNvPr id="217" name="Google Shape;217;p25"/>
           <p:cNvSpPr txBox="1"/>
           <p:nvPr/>
         </p:nvSpPr>
@@ -16715,7 +16723,7 @@
       </p:sp>
       <p:pic>
         <p:nvPicPr>
-          <p:cNvPr id="210" name="Google Shape;210;p25"/>
+          <p:cNvPr id="218" name="Google Shape;218;p25"/>
           <p:cNvPicPr preferRelativeResize="0"/>
           <p:nvPr/>
         </p:nvPicPr>
@@ -16754,7 +16762,7 @@
       </p:pic>
       <p:pic>
         <p:nvPicPr>
-          <p:cNvPr id="211" name="Google Shape;211;p25"/>
+          <p:cNvPr id="219" name="Google Shape;219;p25"/>
           <p:cNvPicPr preferRelativeResize="0"/>
           <p:nvPr/>
         </p:nvPicPr>
@@ -16792,7 +16800,7 @@
       </p:pic>
       <p:pic>
         <p:nvPicPr>
-          <p:cNvPr id="212" name="Google Shape;212;p25"/>
+          <p:cNvPr id="220" name="Google Shape;220;p25"/>
           <p:cNvPicPr preferRelativeResize="0"/>
           <p:nvPr/>
         </p:nvPicPr>
@@ -16841,7 +16849,7 @@
   <p:cSld>
     <p:spTree>
       <p:nvGrpSpPr>
-        <p:cNvPr id="1" name="Shape 216"/>
+        <p:cNvPr id="1" name="Shape 224"/>
         <p:cNvGrpSpPr/>
         <p:nvPr/>
       </p:nvGrpSpPr>
@@ -16855,7 +16863,7 @@
       </p:grpSpPr>
       <p:pic>
         <p:nvPicPr>
-          <p:cNvPr id="217" name="Google Shape;217;p26"/>
+          <p:cNvPr id="225" name="Google Shape;225;p26"/>
           <p:cNvPicPr preferRelativeResize="0"/>
           <p:nvPr/>
         </p:nvPicPr>
@@ -16887,7 +16895,7 @@
       </p:pic>
       <p:sp>
         <p:nvSpPr>
-          <p:cNvPr id="218" name="Google Shape;218;p26"/>
+          <p:cNvPr id="226" name="Google Shape;226;p26"/>
           <p:cNvSpPr txBox="1"/>
           <p:nvPr/>
         </p:nvSpPr>
@@ -16953,7 +16961,7 @@
       </p:sp>
       <p:sp>
         <p:nvSpPr>
-          <p:cNvPr id="219" name="Google Shape;219;p26"/>
+          <p:cNvPr id="227" name="Google Shape;227;p26"/>
           <p:cNvSpPr txBox="1"/>
           <p:nvPr/>
         </p:nvSpPr>
@@ -17383,7 +17391,7 @@
       </p:sp>
       <p:pic>
         <p:nvPicPr>
-          <p:cNvPr id="220" name="Google Shape;220;p26"/>
+          <p:cNvPr id="228" name="Google Shape;228;p26"/>
           <p:cNvPicPr preferRelativeResize="0"/>
           <p:nvPr/>
         </p:nvPicPr>
@@ -17415,7 +17423,7 @@
       </p:pic>
       <p:sp>
         <p:nvSpPr>
-          <p:cNvPr id="221" name="Google Shape;221;p26"/>
+          <p:cNvPr id="229" name="Google Shape;229;p26"/>
           <p:cNvSpPr txBox="1"/>
           <p:nvPr/>
         </p:nvSpPr>
@@ -17494,7 +17502,7 @@
       </p:sp>
       <p:sp>
         <p:nvSpPr>
-          <p:cNvPr id="222" name="Google Shape;222;p26"/>
+          <p:cNvPr id="230" name="Google Shape;230;p26"/>
           <p:cNvSpPr txBox="1"/>
           <p:nvPr/>
         </p:nvSpPr>
@@ -17571,7 +17579,7 @@
   <p:cSld>
     <p:spTree>
       <p:nvGrpSpPr>
-        <p:cNvPr id="1" name="Shape 226"/>
+        <p:cNvPr id="1" name="Shape 234"/>
         <p:cNvGrpSpPr/>
         <p:nvPr/>
       </p:nvGrpSpPr>
@@ -17585,7 +17593,7 @@
       </p:grpSpPr>
       <p:sp>
         <p:nvSpPr>
-          <p:cNvPr id="227" name="Google Shape;227;p27"/>
+          <p:cNvPr id="235" name="Google Shape;235;p27"/>
           <p:cNvSpPr txBox="1"/>
           <p:nvPr/>
         </p:nvSpPr>
@@ -17746,7 +17754,7 @@
         <p:spPr>
           <a:xfrm>
             <a:off x="55075" y="335750"/>
-            <a:ext cx="3123000" cy="2281200"/>
+            <a:ext cx="3123000" cy="2789100"/>
           </a:xfrm>
           <a:prstGeom prst="rect">
             <a:avLst/>
@@ -17808,6 +17816,42 @@
               </a:rPr>
             </a:br>
             <a:r>
+              <a:rPr lang="en" sz="900" u="sng">
+                <a:solidFill>
+                  <a:schemeClr val="hlink"/>
+                </a:solidFill>
+                <a:latin typeface="Calibri"/>
+                <a:ea typeface="Calibri"/>
+                <a:cs typeface="Calibri"/>
+                <a:sym typeface="Calibri"/>
+                <a:hlinkClick r:id="rId3"/>
+              </a:rPr>
+              <a:t>https://x.com/i/grok</a:t>
+            </a:r>
+            <a:r>
+              <a:rPr lang="en" sz="900">
+                <a:solidFill>
+                  <a:schemeClr val="dk1"/>
+                </a:solidFill>
+                <a:latin typeface="Calibri"/>
+                <a:ea typeface="Calibri"/>
+                <a:cs typeface="Calibri"/>
+                <a:sym typeface="Calibri"/>
+              </a:rPr>
+              <a:t> - limited free access</a:t>
+            </a:r>
+            <a:br>
+              <a:rPr lang="en" sz="1200">
+                <a:solidFill>
+                  <a:schemeClr val="dk1"/>
+                </a:solidFill>
+                <a:latin typeface="Calibri"/>
+                <a:ea typeface="Calibri"/>
+                <a:cs typeface="Calibri"/>
+                <a:sym typeface="Calibri"/>
+              </a:rPr>
+            </a:br>
+            <a:r>
               <a:rPr lang="en" sz="1200">
                 <a:solidFill>
                   <a:schemeClr val="dk1"/>
@@ -17839,7 +17883,7 @@
                 <a:ea typeface="Calibri"/>
                 <a:cs typeface="Calibri"/>
                 <a:sym typeface="Calibri"/>
-                <a:hlinkClick r:id="rId3">
+                <a:hlinkClick r:id="rId4">
                   <a:extLst>
                     <a:ext uri="{A12FA001-AC4F-418D-AE19-62706E023703}">
                       <ahyp:hlinkClr xmlns:ahyp="http://schemas.microsoft.com/office/drawing/2018/hyperlinkcolor" val="tx"/>
@@ -17918,7 +17962,7 @@
                 <a:ea typeface="Calibri"/>
                 <a:cs typeface="Calibri"/>
                 <a:sym typeface="Calibri"/>
-                <a:hlinkClick r:id="rId4"/>
+                <a:hlinkClick r:id="rId5"/>
               </a:rPr>
               <a:t>https://www.youtube.com/watch?v=BDseU-kmDYY</a:t>
             </a:r>
@@ -17991,7 +18035,7 @@
                 <a:ea typeface="Calibri"/>
                 <a:cs typeface="Calibri"/>
                 <a:sym typeface="Calibri"/>
-                <a:hlinkClick r:id="rId5"/>
+                <a:hlinkClick r:id="rId6"/>
               </a:rPr>
               <a:t>https://x.com/karpathy/status/1891720635363254772</a:t>
             </a:r>
@@ -18079,7 +18123,7 @@
                 <a:cs typeface="Calibri"/>
                 <a:sym typeface="Calibri"/>
               </a:rPr>
-              <a:t>"Think" and "Big Brain" buttons </a:t>
+              <a:t>"Think" and "Big Brain" buttons, fast inference </a:t>
             </a:r>
             <a:endParaRPr sz="1200">
               <a:solidFill>
@@ -18116,7 +18160,7 @@
                 <a:cs typeface="Calibri"/>
                 <a:sym typeface="Calibri"/>
               </a:rPr>
-              <a:t>used 200K GPUs H100 (</a:t>
+              <a:t>uses 200K GPUs H100 (</a:t>
             </a:r>
             <a:r>
               <a:rPr lang="en" sz="1200" b="1">
@@ -18128,7 +18172,54 @@
                 <a:cs typeface="Calibri"/>
                 <a:sym typeface="Calibri"/>
               </a:rPr>
-              <a:t>Colossus cluster</a:t>
+              <a:t>Colossus Datacenter</a:t>
+            </a:r>
+            <a:r>
+              <a:rPr lang="en" sz="1200">
+                <a:solidFill>
+                  <a:schemeClr val="dk1"/>
+                </a:solidFill>
+                <a:latin typeface="Calibri"/>
+                <a:ea typeface="Calibri"/>
+                <a:cs typeface="Calibri"/>
+                <a:sym typeface="Calibri"/>
+              </a:rPr>
+              <a:t>)</a:t>
+            </a:r>
+            <a:br>
+              <a:rPr lang="en" sz="1200">
+                <a:solidFill>
+                  <a:schemeClr val="dk1"/>
+                </a:solidFill>
+                <a:latin typeface="Calibri"/>
+                <a:ea typeface="Calibri"/>
+                <a:cs typeface="Calibri"/>
+                <a:sym typeface="Calibri"/>
+              </a:rPr>
+            </a:br>
+            <a:r>
+              <a:rPr lang="en" sz="1200">
+                <a:solidFill>
+                  <a:schemeClr val="dk1"/>
+                </a:solidFill>
+                <a:latin typeface="Calibri"/>
+                <a:ea typeface="Calibri"/>
+                <a:cs typeface="Calibri"/>
+                <a:sym typeface="Calibri"/>
+              </a:rPr>
+              <a:t>(</a:t>
+            </a:r>
+            <a:r>
+              <a:rPr lang="en" sz="1200" b="1">
+                <a:solidFill>
+                  <a:srgbClr val="FF0000"/>
+                </a:solidFill>
+                <a:latin typeface="Calibri"/>
+                <a:ea typeface="Calibri"/>
+                <a:cs typeface="Calibri"/>
+                <a:sym typeface="Calibri"/>
+              </a:rPr>
+              <a:t>3231 Riverport Rd, Memphis, TN 38109</a:t>
             </a:r>
             <a:r>
               <a:rPr lang="en" sz="1200">
@@ -18177,7 +18268,81 @@
                 <a:cs typeface="Calibri"/>
                 <a:sym typeface="Calibri"/>
               </a:rPr>
-              <a:t>has reasoning layer</a:t>
+              <a:t>50-150 MegaWatts</a:t>
+            </a:r>
+            <a:endParaRPr sz="1200">
+              <a:solidFill>
+                <a:schemeClr val="dk1"/>
+              </a:solidFill>
+              <a:latin typeface="Calibri"/>
+              <a:ea typeface="Calibri"/>
+              <a:cs typeface="Calibri"/>
+              <a:sym typeface="Calibri"/>
+            </a:endParaRPr>
+          </a:p>
+          <a:p>
+            <a:pPr marL="171450" lvl="0" indent="-133350" algn="l" rtl="0">
+              <a:spcBef>
+                <a:spcPts val="0"/>
+              </a:spcBef>
+              <a:spcAft>
+                <a:spcPts val="0"/>
+              </a:spcAft>
+              <a:buClr>
+                <a:schemeClr val="dk1"/>
+              </a:buClr>
+              <a:buSzPts val="1200"/>
+              <a:buFont typeface="Calibri"/>
+              <a:buChar char="●"/>
+            </a:pPr>
+            <a:r>
+              <a:rPr lang="en" sz="1200">
+                <a:solidFill>
+                  <a:schemeClr val="dk1"/>
+                </a:solidFill>
+                <a:latin typeface="Calibri"/>
+                <a:ea typeface="Calibri"/>
+                <a:cs typeface="Calibri"/>
+                <a:sym typeface="Calibri"/>
+              </a:rPr>
+              <a:t>2.7 Trillion parameters (estimated)</a:t>
+            </a:r>
+            <a:endParaRPr sz="1200">
+              <a:solidFill>
+                <a:schemeClr val="dk1"/>
+              </a:solidFill>
+              <a:latin typeface="Calibri"/>
+              <a:ea typeface="Calibri"/>
+              <a:cs typeface="Calibri"/>
+              <a:sym typeface="Calibri"/>
+            </a:endParaRPr>
+          </a:p>
+          <a:p>
+            <a:pPr marL="171450" lvl="0" indent="-133350" algn="l" rtl="0">
+              <a:spcBef>
+                <a:spcPts val="0"/>
+              </a:spcBef>
+              <a:spcAft>
+                <a:spcPts val="0"/>
+              </a:spcAft>
+              <a:buClr>
+                <a:schemeClr val="dk1"/>
+              </a:buClr>
+              <a:buSzPts val="1200"/>
+              <a:buFont typeface="Calibri"/>
+              <a:buChar char="●"/>
+            </a:pPr>
+            <a:r>
+              <a:rPr lang="en" sz="1200">
+                <a:solidFill>
+                  <a:schemeClr val="dk1"/>
+                </a:solidFill>
+                <a:latin typeface="Calibri"/>
+                <a:ea typeface="Calibri"/>
+                <a:cs typeface="Calibri"/>
+                <a:sym typeface="Calibri"/>
+              </a:rPr>
+              <a:t>Has a reasoning layer</a:t>
             </a:r>
             <a:endParaRPr sz="1200">
               <a:solidFill>
@@ -18226,43 +18391,6 @@
               <a:sym typeface="Calibri"/>
             </a:endParaRPr>
           </a:p>
-          <a:p>
-            <a:pPr marL="171450" lvl="0" indent="-133350" algn="l" rtl="0">
-              <a:spcBef>
-                <a:spcPts val="0"/>
-              </a:spcBef>
-              <a:spcAft>
-                <a:spcPts val="0"/>
-              </a:spcAft>
-              <a:buClr>
-                <a:schemeClr val="dk1"/>
-              </a:buClr>
-              <a:buSzPts val="1200"/>
-              <a:buFont typeface="Calibri"/>
-              <a:buChar char="●"/>
-            </a:pPr>
-            <a:r>
-              <a:rPr lang="en" sz="1200">
-                <a:solidFill>
-                  <a:schemeClr val="dk1"/>
-                </a:solidFill>
-                <a:latin typeface="Calibri"/>
-                <a:ea typeface="Calibri"/>
-                <a:cs typeface="Calibri"/>
-                <a:sym typeface="Calibri"/>
-              </a:rPr>
-              <a:t>2.7 trillion parameters (estimated)</a:t>
-            </a:r>
-            <a:endParaRPr sz="1200">
-              <a:solidFill>
-                <a:schemeClr val="dk1"/>
-              </a:solidFill>
-              <a:latin typeface="Calibri"/>
-              <a:ea typeface="Calibri"/>
-              <a:cs typeface="Calibri"/>
-              <a:sym typeface="Calibri"/>
-            </a:endParaRPr>
-          </a:p>
         </p:txBody>
       </p:sp>
       <p:pic>
@@ -18272,7 +18400,7 @@
           <p:nvPr/>
         </p:nvPicPr>
         <p:blipFill>
-          <a:blip r:embed="rId6" cstate="email">
+          <a:blip r:embed="rId7" cstate="email">
             <a:alphaModFix/>
             <a:extLst>
               <a:ext uri="{28A0092B-C50C-407E-A947-70E740481C1C}">
@@ -18310,8 +18438,8 @@
           <p:cNvPicPr preferRelativeResize="0"/>
           <p:nvPr/>
         </p:nvPicPr>
-        <p:blipFill>
-          <a:blip r:embed="rId7" cstate="email">
+        <p:blipFill rotWithShape="1">
+          <a:blip r:embed="rId8" cstate="email">
             <a:alphaModFix/>
             <a:extLst>
               <a:ext uri="{28A0092B-C50C-407E-A947-70E740481C1C}">
@@ -18319,14 +18447,13 @@
               </a:ext>
             </a:extLst>
           </a:blip>
-          <a:stretch>
-            <a:fillRect/>
-          </a:stretch>
+          <a:srcRect/>
+          <a:stretch/>
         </p:blipFill>
         <p:spPr>
           <a:xfrm>
-            <a:off x="5850649" y="2854261"/>
-            <a:ext cx="3252601" cy="2289238"/>
+            <a:off x="6736475" y="2674850"/>
+            <a:ext cx="2366776" cy="1810750"/>
           </a:xfrm>
           <a:prstGeom prst="rect">
             <a:avLst/>
@@ -18349,8 +18476,8 @@
           <p:cNvPicPr preferRelativeResize="0"/>
           <p:nvPr/>
         </p:nvPicPr>
-        <p:blipFill>
-          <a:blip r:embed="rId8" cstate="email">
+        <p:blipFill rotWithShape="1">
+          <a:blip r:embed="rId9" cstate="email">
             <a:alphaModFix/>
             <a:extLst>
               <a:ext uri="{28A0092B-C50C-407E-A947-70E740481C1C}">
@@ -18358,14 +18485,13 @@
               </a:ext>
             </a:extLst>
           </a:blip>
-          <a:stretch>
-            <a:fillRect/>
-          </a:stretch>
+          <a:srcRect/>
+          <a:stretch/>
         </p:blipFill>
         <p:spPr>
           <a:xfrm>
-            <a:off x="55075" y="2688676"/>
-            <a:ext cx="2877601" cy="1327759"/>
+            <a:off x="55075" y="3183538"/>
+            <a:ext cx="1639567" cy="1043962"/>
           </a:xfrm>
           <a:prstGeom prst="rect">
             <a:avLst/>
@@ -18389,7 +18515,7 @@
           <p:nvPr/>
         </p:nvPicPr>
         <p:blipFill>
-          <a:blip r:embed="rId9" cstate="email">
+          <a:blip r:embed="rId10" cstate="email">
             <a:alphaModFix/>
             <a:extLst>
               <a:ext uri="{28A0092B-C50C-407E-A947-70E740481C1C}">
@@ -18427,8 +18553,8 @@
           <p:cNvPicPr preferRelativeResize="0"/>
           <p:nvPr/>
         </p:nvPicPr>
-        <p:blipFill>
-          <a:blip r:embed="rId10" cstate="email">
+        <p:blipFill rotWithShape="1">
+          <a:blip r:embed="rId11" cstate="email">
             <a:alphaModFix/>
             <a:extLst>
               <a:ext uri="{28A0092B-C50C-407E-A947-70E740481C1C}">
@@ -18436,14 +18562,13 @@
               </a:ext>
             </a:extLst>
           </a:blip>
-          <a:stretch>
-            <a:fillRect/>
-          </a:stretch>
+          <a:srcRect/>
+          <a:stretch/>
         </p:blipFill>
         <p:spPr>
           <a:xfrm>
-            <a:off x="3237600" y="1447298"/>
-            <a:ext cx="2553500" cy="1733514"/>
+            <a:off x="3237600" y="1457650"/>
+            <a:ext cx="2553500" cy="1366527"/>
           </a:xfrm>
           <a:prstGeom prst="rect">
             <a:avLst/>
@@ -18467,7 +18592,7 @@
           <p:nvPr/>
         </p:nvPicPr>
         <p:blipFill>
-          <a:blip r:embed="rId11" cstate="email">
+          <a:blip r:embed="rId12" cstate="email">
             <a:alphaModFix/>
             <a:extLst>
               <a:ext uri="{28A0092B-C50C-407E-A947-70E740481C1C}">
@@ -18481,8 +18606,8 @@
         </p:blipFill>
         <p:spPr>
           <a:xfrm>
-            <a:off x="55075" y="4093501"/>
-            <a:ext cx="2553500" cy="990275"/>
+            <a:off x="55075" y="4263104"/>
+            <a:ext cx="1492724" cy="839650"/>
           </a:xfrm>
           <a:prstGeom prst="rect">
             <a:avLst/>
@@ -18506,7 +18631,7 @@
           <p:nvPr/>
         </p:nvPicPr>
         <p:blipFill>
-          <a:blip r:embed="rId12" cstate="email">
+          <a:blip r:embed="rId13" cstate="email">
             <a:alphaModFix/>
             <a:extLst>
               <a:ext uri="{28A0092B-C50C-407E-A947-70E740481C1C}">
@@ -18520,8 +18645,47 @@
         </p:blipFill>
         <p:spPr>
           <a:xfrm>
-            <a:off x="2664025" y="4093500"/>
-            <a:ext cx="1760488" cy="990275"/>
+            <a:off x="4698262" y="2882200"/>
+            <a:ext cx="1995242" cy="1603401"/>
+          </a:xfrm>
+          <a:prstGeom prst="rect">
+            <a:avLst/>
+          </a:prstGeom>
+          <a:noFill/>
+          <a:ln w="9525" cap="flat" cmpd="sng">
+            <a:solidFill>
+              <a:srgbClr val="FF0000"/>
+            </a:solidFill>
+            <a:prstDash val="solid"/>
+            <a:round/>
+            <a:headEnd type="none" w="sm" len="sm"/>
+            <a:tailEnd type="none" w="sm" len="sm"/>
+          </a:ln>
+        </p:spPr>
+      </p:pic>
+      <p:pic>
+        <p:nvPicPr>
+          <p:cNvPr id="83" name="Google Shape;83;p16"/>
+          <p:cNvPicPr preferRelativeResize="0"/>
+          <p:nvPr/>
+        </p:nvPicPr>
+        <p:blipFill>
+          <a:blip r:embed="rId14" cstate="email">
+            <a:alphaModFix/>
+            <a:extLst>
+              <a:ext uri="{28A0092B-C50C-407E-A947-70E740481C1C}">
+                <a14:useLocalDpi xmlns:a14="http://schemas.microsoft.com/office/drawing/2010/main"/>
+              </a:ext>
+            </a:extLst>
+          </a:blip>
+          <a:stretch>
+            <a:fillRect/>
+          </a:stretch>
+        </p:blipFill>
+        <p:spPr>
+          <a:xfrm>
+            <a:off x="1804214" y="3183550"/>
+            <a:ext cx="2828687" cy="1874850"/>
           </a:xfrm>
           <a:prstGeom prst="rect">
             <a:avLst/>
@@ -18551,7 +18715,7 @@
   <p:cSld>
     <p:spTree>
       <p:nvGrpSpPr>
-        <p:cNvPr id="1" name="Shape 86"/>
+        <p:cNvPr id="1" name="Shape 87"/>
         <p:cNvGrpSpPr/>
         <p:nvPr/>
       </p:nvGrpSpPr>
@@ -18565,7 +18729,7 @@
       </p:grpSpPr>
       <p:sp>
         <p:nvSpPr>
-          <p:cNvPr id="87" name="Google Shape;87;p17"/>
+          <p:cNvPr id="88" name="Google Shape;88;p17"/>
           <p:cNvSpPr txBox="1"/>
           <p:nvPr/>
         </p:nvSpPr>
@@ -18628,7 +18792,7 @@
       </p:sp>
       <p:sp>
         <p:nvSpPr>
-          <p:cNvPr id="88" name="Google Shape;88;p17"/>
+          <p:cNvPr id="89" name="Google Shape;89;p17"/>
           <p:cNvSpPr txBox="1"/>
           <p:nvPr/>
         </p:nvSpPr>
@@ -18818,7 +18982,7 @@
       </p:sp>
       <p:pic>
         <p:nvPicPr>
-          <p:cNvPr id="89" name="Google Shape;89;p17"/>
+          <p:cNvPr id="90" name="Google Shape;90;p17"/>
           <p:cNvPicPr preferRelativeResize="0"/>
           <p:nvPr/>
         </p:nvPicPr>
@@ -18868,7 +19032,7 @@
   <p:cSld>
     <p:spTree>
       <p:nvGrpSpPr>
-        <p:cNvPr id="1" name="Shape 93"/>
+        <p:cNvPr id="1" name="Shape 94"/>
         <p:cNvGrpSpPr/>
         <p:nvPr/>
       </p:nvGrpSpPr>
@@ -18882,7 +19046,7 @@
       </p:grpSpPr>
       <p:sp>
         <p:nvSpPr>
-          <p:cNvPr id="94" name="Google Shape;94;p18"/>
+          <p:cNvPr id="95" name="Google Shape;95;p18"/>
           <p:cNvSpPr txBox="1"/>
           <p:nvPr/>
         </p:nvSpPr>
@@ -18945,13 +19109,13 @@
       </p:sp>
       <p:sp>
         <p:nvSpPr>
-          <p:cNvPr id="95" name="Google Shape;95;p18"/>
+          <p:cNvPr id="96" name="Google Shape;96;p18"/>
           <p:cNvSpPr txBox="1"/>
           <p:nvPr/>
         </p:nvSpPr>
         <p:spPr>
           <a:xfrm>
-            <a:off x="55075" y="469725"/>
+            <a:off x="55075" y="850725"/>
             <a:ext cx="4467600" cy="1173000"/>
           </a:xfrm>
           <a:prstGeom prst="rect">
@@ -19000,7 +19164,54 @@
                 <a:cs typeface="Calibri"/>
                 <a:sym typeface="Calibri"/>
               </a:rPr>
-              <a:t>A senior Elon Musk staffer has created a custom AI chatbot that purports to help the Department of Government Efficiency eliminate government waste and is powered by Musk’s artificial intelligence company xAI, TechCrunch has learned.</a:t>
+              <a:t>A senior Elon Musk staffer has created a </a:t>
+            </a:r>
+            <a:r>
+              <a:rPr lang="en" sz="1200" b="1">
+                <a:solidFill>
+                  <a:srgbClr val="FF0000"/>
+                </a:solidFill>
+                <a:latin typeface="Calibri"/>
+                <a:ea typeface="Calibri"/>
+                <a:cs typeface="Calibri"/>
+                <a:sym typeface="Calibri"/>
+              </a:rPr>
+              <a:t>custom AI chatbot </a:t>
+            </a:r>
+            <a:br>
+              <a:rPr lang="en" sz="1200" b="1">
+                <a:solidFill>
+                  <a:srgbClr val="FF0000"/>
+                </a:solidFill>
+                <a:latin typeface="Calibri"/>
+                <a:ea typeface="Calibri"/>
+                <a:cs typeface="Calibri"/>
+                <a:sym typeface="Calibri"/>
+              </a:rPr>
+            </a:br>
+            <a:r>
+              <a:rPr lang="en" sz="1200" b="1">
+                <a:solidFill>
+                  <a:srgbClr val="3C78D8"/>
+                </a:solidFill>
+                <a:latin typeface="Calibri"/>
+                <a:ea typeface="Calibri"/>
+                <a:cs typeface="Calibri"/>
+                <a:sym typeface="Calibri"/>
+              </a:rPr>
+              <a:t>that purports to help the Department of Government Efficiency eliminate government waste</a:t>
+            </a:r>
+            <a:r>
+              <a:rPr lang="en" sz="1200">
+                <a:solidFill>
+                  <a:schemeClr val="dk1"/>
+                </a:solidFill>
+                <a:latin typeface="Calibri"/>
+                <a:ea typeface="Calibri"/>
+                <a:cs typeface="Calibri"/>
+                <a:sym typeface="Calibri"/>
+              </a:rPr>
+              <a:t> and is powered by Musk’s artificial intelligence company xAI, TechCrunch has learned.</a:t>
             </a:r>
             <a:endParaRPr sz="1200">
               <a:solidFill>
@@ -19116,7 +19327,7 @@
       </p:sp>
       <p:pic>
         <p:nvPicPr>
-          <p:cNvPr id="96" name="Google Shape;96;p18"/>
+          <p:cNvPr id="97" name="Google Shape;97;p18"/>
           <p:cNvPicPr preferRelativeResize="0"/>
           <p:nvPr/>
         </p:nvPicPr>
@@ -19166,7 +19377,7 @@
   <p:cSld>
     <p:spTree>
       <p:nvGrpSpPr>
-        <p:cNvPr id="1" name="Shape 100"/>
+        <p:cNvPr id="1" name="Shape 101"/>
         <p:cNvGrpSpPr/>
         <p:nvPr/>
       </p:nvGrpSpPr>
@@ -19180,7 +19391,7 @@
       </p:grpSpPr>
       <p:sp>
         <p:nvSpPr>
-          <p:cNvPr id="101" name="Google Shape;101;p19"/>
+          <p:cNvPr id="102" name="Google Shape;102;p19"/>
           <p:cNvSpPr txBox="1"/>
           <p:nvPr/>
         </p:nvSpPr>
@@ -19243,7 +19454,7 @@
       </p:sp>
       <p:sp>
         <p:nvSpPr>
-          <p:cNvPr id="102" name="Google Shape;102;p19"/>
+          <p:cNvPr id="103" name="Google Shape;103;p19"/>
           <p:cNvSpPr txBox="1"/>
           <p:nvPr/>
         </p:nvSpPr>
@@ -19341,13 +19552,13 @@
       </p:sp>
       <p:sp>
         <p:nvSpPr>
-          <p:cNvPr id="103" name="Google Shape;103;p19"/>
+          <p:cNvPr id="104" name="Google Shape;104;p19"/>
           <p:cNvSpPr txBox="1"/>
           <p:nvPr/>
         </p:nvSpPr>
         <p:spPr>
           <a:xfrm>
-            <a:off x="55075" y="889200"/>
+            <a:off x="55075" y="1418494"/>
             <a:ext cx="4467600" cy="341700"/>
           </a:xfrm>
           <a:prstGeom prst="rect">
@@ -19445,13 +19656,13 @@
       </p:sp>
       <p:sp>
         <p:nvSpPr>
-          <p:cNvPr id="104" name="Google Shape;104;p19"/>
+          <p:cNvPr id="105" name="Google Shape;105;p19"/>
           <p:cNvSpPr txBox="1"/>
           <p:nvPr/>
         </p:nvSpPr>
         <p:spPr>
           <a:xfrm>
-            <a:off x="84200" y="1359950"/>
+            <a:off x="84200" y="1833863"/>
             <a:ext cx="4467600" cy="988200"/>
           </a:xfrm>
           <a:prstGeom prst="rect">
@@ -19603,13 +19814,169 @@
       </p:sp>
       <p:sp>
         <p:nvSpPr>
-          <p:cNvPr id="105" name="Google Shape;105;p19"/>
+          <p:cNvPr id="106" name="Google Shape;106;p19"/>
           <p:cNvSpPr txBox="1"/>
           <p:nvPr/>
         </p:nvSpPr>
         <p:spPr>
           <a:xfrm>
-            <a:off x="84200" y="2823100"/>
+            <a:off x="84200" y="3886331"/>
+            <a:ext cx="4467600" cy="849600"/>
+          </a:xfrm>
+          <a:prstGeom prst="rect">
+            <a:avLst/>
+          </a:prstGeom>
+          <a:solidFill>
+            <a:srgbClr val="FFF2CC"/>
+          </a:solidFill>
+          <a:ln w="9525" cap="flat" cmpd="sng">
+            <a:solidFill>
+              <a:srgbClr val="FF0000"/>
+            </a:solidFill>
+            <a:prstDash val="solid"/>
+            <a:round/>
+            <a:headEnd type="none" w="sm" len="sm"/>
+            <a:tailEnd type="none" w="sm" len="sm"/>
+          </a:ln>
+        </p:spPr>
+        <p:txBody>
+          <a:bodyPr spcFirstLastPara="1" wrap="square" lIns="9125" tIns="9125" rIns="9125" bIns="9125" anchor="t" anchorCtr="0">
+            <a:spAutoFit/>
+          </a:bodyPr>
+          <a:lstStyle/>
+          <a:p>
+            <a:pPr marL="171450" lvl="0" indent="-133350" algn="l" rtl="0">
+              <a:spcBef>
+                <a:spcPts val="0"/>
+              </a:spcBef>
+              <a:spcAft>
+                <a:spcPts val="0"/>
+              </a:spcAft>
+              <a:buClr>
+                <a:schemeClr val="dk1"/>
+              </a:buClr>
+              <a:buSzPts val="1200"/>
+              <a:buFont typeface="Calibri"/>
+              <a:buChar char="●"/>
+            </a:pPr>
+            <a:r>
+              <a:rPr lang="en" sz="1200" b="1">
+                <a:solidFill>
+                  <a:srgbClr val="FF0000"/>
+                </a:solidFill>
+                <a:latin typeface="Calibri"/>
+                <a:ea typeface="Calibri"/>
+                <a:cs typeface="Calibri"/>
+                <a:sym typeface="Calibri"/>
+              </a:rPr>
+              <a:t>Microsoft Research Data Formulator - </a:t>
+            </a:r>
+            <a:r>
+              <a:rPr lang="en" sz="1200">
+                <a:solidFill>
+                  <a:schemeClr val="dk1"/>
+                </a:solidFill>
+                <a:latin typeface="Calibri"/>
+                <a:ea typeface="Calibri"/>
+                <a:cs typeface="Calibri"/>
+                <a:sym typeface="Calibri"/>
+              </a:rPr>
+              <a:t>visualization authoring tool. </a:t>
+            </a:r>
+            <a:endParaRPr sz="1200">
+              <a:solidFill>
+                <a:schemeClr val="dk1"/>
+              </a:solidFill>
+              <a:latin typeface="Calibri"/>
+              <a:ea typeface="Calibri"/>
+              <a:cs typeface="Calibri"/>
+              <a:sym typeface="Calibri"/>
+            </a:endParaRPr>
+          </a:p>
+          <a:p>
+            <a:pPr marL="171450" lvl="0" indent="-133350" algn="l" rtl="0">
+              <a:spcBef>
+                <a:spcPts val="0"/>
+              </a:spcBef>
+              <a:spcAft>
+                <a:spcPts val="0"/>
+              </a:spcAft>
+              <a:buClr>
+                <a:schemeClr val="dk1"/>
+              </a:buClr>
+              <a:buSzPts val="1200"/>
+              <a:buFont typeface="Calibri"/>
+              <a:buChar char="●"/>
+            </a:pPr>
+            <a:r>
+              <a:rPr lang="en" sz="1200">
+                <a:solidFill>
+                  <a:schemeClr val="dk1"/>
+                </a:solidFill>
+                <a:latin typeface="Calibri"/>
+                <a:ea typeface="Calibri"/>
+                <a:cs typeface="Calibri"/>
+                <a:sym typeface="Calibri"/>
+              </a:rPr>
+              <a:t>The tool can accept natural language instructions or examples for data derivation, reshaping, and visualization</a:t>
+            </a:r>
+            <a:br>
+              <a:rPr lang="en" sz="900">
+                <a:solidFill>
+                  <a:schemeClr val="dk1"/>
+                </a:solidFill>
+                <a:latin typeface="Calibri"/>
+                <a:ea typeface="Calibri"/>
+                <a:cs typeface="Calibri"/>
+                <a:sym typeface="Calibri"/>
+              </a:rPr>
+            </a:br>
+            <a:r>
+              <a:rPr lang="en" sz="900" u="sng">
+                <a:solidFill>
+                  <a:schemeClr val="hlink"/>
+                </a:solidFill>
+                <a:latin typeface="Calibri"/>
+                <a:ea typeface="Calibri"/>
+                <a:cs typeface="Calibri"/>
+                <a:sym typeface="Calibri"/>
+                <a:hlinkClick r:id="rId6"/>
+              </a:rPr>
+              <a:t>https://www.marktechpost.com/2025/02/14/microsoft-research-introduces-data-formulator-an-ai-application-that-leverages-llms-to-transform-data-and-create-rich-visualizations/</a:t>
+            </a:r>
+            <a:r>
+              <a:rPr lang="en" sz="900">
+                <a:solidFill>
+                  <a:schemeClr val="dk1"/>
+                </a:solidFill>
+                <a:latin typeface="Calibri"/>
+                <a:ea typeface="Calibri"/>
+                <a:cs typeface="Calibri"/>
+                <a:sym typeface="Calibri"/>
+              </a:rPr>
+              <a:t> </a:t>
+            </a:r>
+            <a:endParaRPr sz="900">
+              <a:solidFill>
+                <a:schemeClr val="dk1"/>
+              </a:solidFill>
+              <a:latin typeface="Calibri"/>
+              <a:ea typeface="Calibri"/>
+              <a:cs typeface="Calibri"/>
+              <a:sym typeface="Calibri"/>
+            </a:endParaRPr>
+          </a:p>
+        </p:txBody>
+      </p:sp>
+      <p:sp>
+        <p:nvSpPr>
+          <p:cNvPr id="107" name="Google Shape;107;p19"/>
+          <p:cNvSpPr txBox="1"/>
+          <p:nvPr/>
+        </p:nvSpPr>
+        <p:spPr>
+          <a:xfrm>
+            <a:off x="84200" y="2895750"/>
             <a:ext cx="4467600" cy="480300"/>
           </a:xfrm>
           <a:prstGeom prst="rect">
@@ -19658,113 +20025,6 @@
                 <a:cs typeface="Calibri"/>
                 <a:sym typeface="Calibri"/>
               </a:rPr>
-              <a:t>Microsoft Research Data Formulator</a:t>
-            </a:r>
-            <a:br>
-              <a:rPr lang="en" sz="900">
-                <a:solidFill>
-                  <a:schemeClr val="dk1"/>
-                </a:solidFill>
-                <a:latin typeface="Calibri"/>
-                <a:ea typeface="Calibri"/>
-                <a:cs typeface="Calibri"/>
-                <a:sym typeface="Calibri"/>
-              </a:rPr>
-            </a:br>
-            <a:r>
-              <a:rPr lang="en" sz="900" u="sng">
-                <a:solidFill>
-                  <a:schemeClr val="hlink"/>
-                </a:solidFill>
-                <a:latin typeface="Calibri"/>
-                <a:ea typeface="Calibri"/>
-                <a:cs typeface="Calibri"/>
-                <a:sym typeface="Calibri"/>
-                <a:hlinkClick r:id="rId6"/>
-              </a:rPr>
-              <a:t>https://www.marktechpost.com/2025/02/14/microsoft-research-introduces-data-formulator-an-ai-application-that-leverages-llms-to-transform-data-and-create-rich-visualizations/</a:t>
-            </a:r>
-            <a:r>
-              <a:rPr lang="en" sz="900">
-                <a:solidFill>
-                  <a:schemeClr val="dk1"/>
-                </a:solidFill>
-                <a:latin typeface="Calibri"/>
-                <a:ea typeface="Calibri"/>
-                <a:cs typeface="Calibri"/>
-                <a:sym typeface="Calibri"/>
-              </a:rPr>
-              <a:t> </a:t>
-            </a:r>
-            <a:endParaRPr sz="900">
-              <a:solidFill>
-                <a:schemeClr val="dk1"/>
-              </a:solidFill>
-              <a:latin typeface="Calibri"/>
-              <a:ea typeface="Calibri"/>
-              <a:cs typeface="Calibri"/>
-              <a:sym typeface="Calibri"/>
-            </a:endParaRPr>
-          </a:p>
-        </p:txBody>
-      </p:sp>
-      <p:sp>
-        <p:nvSpPr>
-          <p:cNvPr id="106" name="Google Shape;106;p19"/>
-          <p:cNvSpPr txBox="1"/>
-          <p:nvPr/>
-        </p:nvSpPr>
-        <p:spPr>
-          <a:xfrm>
-            <a:off x="84200" y="3390475"/>
-            <a:ext cx="4467600" cy="480300"/>
-          </a:xfrm>
-          <a:prstGeom prst="rect">
-            <a:avLst/>
-          </a:prstGeom>
-          <a:solidFill>
-            <a:srgbClr val="FFF2CC"/>
-          </a:solidFill>
-          <a:ln w="9525" cap="flat" cmpd="sng">
-            <a:solidFill>
-              <a:srgbClr val="FF0000"/>
-            </a:solidFill>
-            <a:prstDash val="solid"/>
-            <a:round/>
-            <a:headEnd type="none" w="sm" len="sm"/>
-            <a:tailEnd type="none" w="sm" len="sm"/>
-          </a:ln>
-        </p:spPr>
-        <p:txBody>
-          <a:bodyPr spcFirstLastPara="1" wrap="square" lIns="9125" tIns="9125" rIns="9125" bIns="9125" anchor="t" anchorCtr="0">
-            <a:spAutoFit/>
-          </a:bodyPr>
-          <a:lstStyle/>
-          <a:p>
-            <a:pPr marL="171450" lvl="0" indent="-133350" algn="l" rtl="0">
-              <a:spcBef>
-                <a:spcPts val="0"/>
-              </a:spcBef>
-              <a:spcAft>
-                <a:spcPts val="0"/>
-              </a:spcAft>
-              <a:buClr>
-                <a:schemeClr val="dk1"/>
-              </a:buClr>
-              <a:buSzPts val="1200"/>
-              <a:buFont typeface="Calibri"/>
-              <a:buChar char="●"/>
-            </a:pPr>
-            <a:r>
-              <a:rPr lang="en" sz="1200" b="1">
-                <a:solidFill>
-                  <a:srgbClr val="FF0000"/>
-                </a:solidFill>
-                <a:latin typeface="Calibri"/>
-                <a:ea typeface="Calibri"/>
-                <a:cs typeface="Calibri"/>
-                <a:sym typeface="Calibri"/>
-              </a:rPr>
               <a:t>Fino1 - llama-3.1-8b for Finance</a:t>
             </a:r>
             <a:br>
@@ -19815,6 +20075,84 @@
           </a:p>
         </p:txBody>
       </p:sp>
+      <p:pic>
+        <p:nvPicPr>
+          <p:cNvPr id="108" name="Google Shape;108;p19"/>
+          <p:cNvPicPr preferRelativeResize="0"/>
+          <p:nvPr/>
+        </p:nvPicPr>
+        <p:blipFill>
+          <a:blip r:embed="rId8" cstate="email">
+            <a:alphaModFix/>
+            <a:extLst>
+              <a:ext uri="{28A0092B-C50C-407E-A947-70E740481C1C}">
+                <a14:useLocalDpi xmlns:a14="http://schemas.microsoft.com/office/drawing/2010/main"/>
+              </a:ext>
+            </a:extLst>
+          </a:blip>
+          <a:stretch>
+            <a:fillRect/>
+          </a:stretch>
+        </p:blipFill>
+        <p:spPr>
+          <a:xfrm>
+            <a:off x="4742225" y="188825"/>
+            <a:ext cx="4287400" cy="1873639"/>
+          </a:xfrm>
+          <a:prstGeom prst="rect">
+            <a:avLst/>
+          </a:prstGeom>
+          <a:noFill/>
+          <a:ln w="9525" cap="flat" cmpd="sng">
+            <a:solidFill>
+              <a:srgbClr val="FF0000"/>
+            </a:solidFill>
+            <a:prstDash val="solid"/>
+            <a:round/>
+            <a:headEnd type="none" w="sm" len="sm"/>
+            <a:tailEnd type="none" w="sm" len="sm"/>
+          </a:ln>
+        </p:spPr>
+      </p:pic>
+      <p:pic>
+        <p:nvPicPr>
+          <p:cNvPr id="109" name="Google Shape;109;p19"/>
+          <p:cNvPicPr preferRelativeResize="0"/>
+          <p:nvPr/>
+        </p:nvPicPr>
+        <p:blipFill>
+          <a:blip r:embed="rId9" cstate="email">
+            <a:alphaModFix/>
+            <a:extLst>
+              <a:ext uri="{28A0092B-C50C-407E-A947-70E740481C1C}">
+                <a14:useLocalDpi xmlns:a14="http://schemas.microsoft.com/office/drawing/2010/main"/>
+              </a:ext>
+            </a:extLst>
+          </a:blip>
+          <a:stretch>
+            <a:fillRect/>
+          </a:stretch>
+        </p:blipFill>
+        <p:spPr>
+          <a:xfrm>
+            <a:off x="4742225" y="2413164"/>
+            <a:ext cx="4287401" cy="2641184"/>
+          </a:xfrm>
+          <a:prstGeom prst="rect">
+            <a:avLst/>
+          </a:prstGeom>
+          <a:noFill/>
+          <a:ln w="9525" cap="flat" cmpd="sng">
+            <a:solidFill>
+              <a:srgbClr val="FF0000"/>
+            </a:solidFill>
+            <a:prstDash val="solid"/>
+            <a:round/>
+            <a:headEnd type="none" w="sm" len="sm"/>
+            <a:tailEnd type="none" w="sm" len="sm"/>
+          </a:ln>
+        </p:spPr>
+      </p:pic>
     </p:spTree>
   </p:cSld>
   <p:clrMapOvr>
@@ -19828,7 +20166,7 @@
   <p:cSld>
     <p:spTree>
       <p:nvGrpSpPr>
-        <p:cNvPr id="1" name="Shape 110"/>
+        <p:cNvPr id="1" name="Shape 113"/>
         <p:cNvGrpSpPr/>
         <p:nvPr/>
       </p:nvGrpSpPr>
@@ -19842,7 +20180,7 @@
       </p:grpSpPr>
       <p:sp>
         <p:nvSpPr>
-          <p:cNvPr id="111" name="Google Shape;111;p20"/>
+          <p:cNvPr id="114" name="Google Shape;114;p20"/>
           <p:cNvSpPr txBox="1"/>
           <p:nvPr/>
         </p:nvSpPr>
@@ -19905,7 +20243,7 @@
       </p:sp>
       <p:sp>
         <p:nvSpPr>
-          <p:cNvPr id="112" name="Google Shape;112;p20"/>
+          <p:cNvPr id="115" name="Google Shape;115;p20"/>
           <p:cNvSpPr txBox="1"/>
           <p:nvPr/>
         </p:nvSpPr>
@@ -20031,7 +20369,7 @@
       </p:sp>
       <p:pic>
         <p:nvPicPr>
-          <p:cNvPr id="113" name="Google Shape;113;p20"/>
+          <p:cNvPr id="116" name="Google Shape;116;p20"/>
           <p:cNvPicPr preferRelativeResize="0"/>
           <p:nvPr/>
         </p:nvPicPr>
@@ -20049,7 +20387,7 @@
         </p:blipFill>
         <p:spPr>
           <a:xfrm>
-            <a:off x="868925" y="1182263"/>
+            <a:off x="4839950" y="680188"/>
             <a:ext cx="1258626" cy="698775"/>
           </a:xfrm>
           <a:prstGeom prst="rect">
@@ -20069,13 +20407,13 @@
       </p:pic>
       <p:sp>
         <p:nvSpPr>
-          <p:cNvPr id="114" name="Google Shape;114;p20"/>
+          <p:cNvPr id="117" name="Google Shape;117;p20"/>
           <p:cNvSpPr txBox="1"/>
           <p:nvPr/>
         </p:nvSpPr>
         <p:spPr>
           <a:xfrm>
-            <a:off x="2283600" y="1182275"/>
+            <a:off x="2338975" y="1174538"/>
             <a:ext cx="2183700" cy="572700"/>
           </a:xfrm>
           <a:prstGeom prst="rect">
@@ -20132,7 +20470,7 @@
       </p:sp>
       <p:sp>
         <p:nvSpPr>
-          <p:cNvPr id="115" name="Google Shape;115;p20"/>
+          <p:cNvPr id="118" name="Google Shape;118;p20"/>
           <p:cNvSpPr txBox="1"/>
           <p:nvPr/>
         </p:nvSpPr>
@@ -20427,6 +20765,34 @@
           </a:p>
         </p:txBody>
       </p:sp>
+      <p:pic>
+        <p:nvPicPr>
+          <p:cNvPr id="119" name="Google Shape;119;p20"/>
+          <p:cNvPicPr preferRelativeResize="0"/>
+          <p:nvPr/>
+        </p:nvPicPr>
+        <p:blipFill>
+          <a:blip r:embed="rId7">
+            <a:alphaModFix/>
+          </a:blip>
+          <a:stretch>
+            <a:fillRect/>
+          </a:stretch>
+        </p:blipFill>
+        <p:spPr>
+          <a:xfrm>
+            <a:off x="4985275" y="2877838"/>
+            <a:ext cx="2952750" cy="1552575"/>
+          </a:xfrm>
+          <a:prstGeom prst="rect">
+            <a:avLst/>
+          </a:prstGeom>
+          <a:noFill/>
+          <a:ln>
+            <a:noFill/>
+          </a:ln>
+        </p:spPr>
+      </p:pic>
     </p:spTree>
   </p:cSld>
   <p:clrMapOvr>
@@ -20440,7 +20806,7 @@
   <p:cSld>
     <p:spTree>
       <p:nvGrpSpPr>
-        <p:cNvPr id="1" name="Shape 119"/>
+        <p:cNvPr id="1" name="Shape 123"/>
         <p:cNvGrpSpPr/>
         <p:nvPr/>
       </p:nvGrpSpPr>
@@ -20454,7 +20820,7 @@
       </p:grpSpPr>
       <p:sp>
         <p:nvSpPr>
-          <p:cNvPr id="120" name="Google Shape;120;p21"/>
+          <p:cNvPr id="124" name="Google Shape;124;p21"/>
           <p:cNvSpPr txBox="1"/>
           <p:nvPr/>
         </p:nvSpPr>
@@ -20517,7 +20883,7 @@
       </p:sp>
       <p:sp>
         <p:nvSpPr>
-          <p:cNvPr id="121" name="Google Shape;121;p21"/>
+          <p:cNvPr id="125" name="Google Shape;125;p21"/>
           <p:cNvSpPr txBox="1"/>
           <p:nvPr/>
         </p:nvSpPr>
@@ -20606,7 +20972,35 @@
                 <a:cs typeface="Calibri"/>
                 <a:sym typeface="Calibri"/>
               </a:rPr>
-              <a:t>recurrent-depth model with 3.5B parameters, trained for 800B tokens on AMD MI250X machines. This is a proof-of-concept model, but surprisingly capable in reasoning and code given its training budget and size</a:t>
+              <a:t>recurrent-depth model with 3.5B parameters, trained for 800B tokens on AMD MI250X machines. </a:t>
+            </a:r>
+            <a:endParaRPr sz="1200">
+              <a:latin typeface="Calibri"/>
+              <a:ea typeface="Calibri"/>
+              <a:cs typeface="Calibri"/>
+              <a:sym typeface="Calibri"/>
+            </a:endParaRPr>
+          </a:p>
+          <a:p>
+            <a:pPr marL="171450" lvl="0" indent="-133350" algn="l" rtl="0">
+              <a:spcBef>
+                <a:spcPts val="0"/>
+              </a:spcBef>
+              <a:spcAft>
+                <a:spcPts val="0"/>
+              </a:spcAft>
+              <a:buSzPts val="1200"/>
+              <a:buFont typeface="Calibri"/>
+              <a:buChar char="●"/>
+            </a:pPr>
+            <a:r>
+              <a:rPr lang="en" sz="1200">
+                <a:latin typeface="Calibri"/>
+                <a:ea typeface="Calibri"/>
+                <a:cs typeface="Calibri"/>
+                <a:sym typeface="Calibri"/>
+              </a:rPr>
+              <a:t>This is a proof-of-concept model, but surprisingly capable in reasoning and code given its training budget and size</a:t>
             </a:r>
             <a:endParaRPr sz="1200">
               <a:latin typeface="Calibri"/>
@@ -20701,7 +21095,7 @@
       </p:sp>
       <p:sp>
         <p:nvSpPr>
-          <p:cNvPr id="122" name="Google Shape;122;p21"/>
+          <p:cNvPr id="126" name="Google Shape;126;p21"/>
           <p:cNvSpPr txBox="1"/>
           <p:nvPr/>
         </p:nvSpPr>
@@ -20765,7 +21159,55 @@
                 <a:cs typeface="Calibri"/>
                 <a:sym typeface="Calibri"/>
               </a:rPr>
-              <a:t> - fine-tuned open-source version of Qwen / Qwen2.5-32B-Instruct on the OpenThoughts-114k dataset.</a:t>
+              <a:t> - fine-tuned open-source version of Qwen / </a:t>
+            </a:r>
+            <a:r>
+              <a:rPr lang="en" sz="1200" b="1">
+                <a:solidFill>
+                  <a:srgbClr val="3C78D8"/>
+                </a:solidFill>
+                <a:latin typeface="Calibri"/>
+                <a:ea typeface="Calibri"/>
+                <a:cs typeface="Calibri"/>
+                <a:sym typeface="Calibri"/>
+              </a:rPr>
+              <a:t>Qwen2.5-32B-Instruct</a:t>
+            </a:r>
+            <a:r>
+              <a:rPr lang="en" sz="1200">
+                <a:solidFill>
+                  <a:schemeClr val="dk1"/>
+                </a:solidFill>
+                <a:latin typeface="Calibri"/>
+                <a:ea typeface="Calibri"/>
+                <a:cs typeface="Calibri"/>
+                <a:sym typeface="Calibri"/>
+              </a:rPr>
+              <a:t> on the </a:t>
+            </a:r>
+            <a:r>
+              <a:rPr lang="en" sz="1200" b="1">
+                <a:solidFill>
+                  <a:srgbClr val="6AA84F"/>
+                </a:solidFill>
+                <a:latin typeface="Calibri"/>
+                <a:ea typeface="Calibri"/>
+                <a:cs typeface="Calibri"/>
+                <a:sym typeface="Calibri"/>
+              </a:rPr>
+              <a:t>OpenThoughts-114k dataset</a:t>
+            </a:r>
+            <a:r>
+              <a:rPr lang="en" sz="1200">
+                <a:solidFill>
+                  <a:schemeClr val="dk1"/>
+                </a:solidFill>
+                <a:latin typeface="Calibri"/>
+                <a:ea typeface="Calibri"/>
+                <a:cs typeface="Calibri"/>
+                <a:sym typeface="Calibri"/>
+              </a:rPr>
+              <a:t>.</a:t>
             </a:r>
             <a:endParaRPr sz="1200">
               <a:latin typeface="Calibri"/>
@@ -20948,7 +21390,7 @@
       </p:sp>
       <p:sp>
         <p:nvSpPr>
-          <p:cNvPr id="123" name="Google Shape;123;p21"/>
+          <p:cNvPr id="127" name="Google Shape;127;p21"/>
           <p:cNvSpPr txBox="1"/>
           <p:nvPr/>
         </p:nvSpPr>
@@ -21077,7 +21519,31 @@
                 <a:cs typeface="Calibri"/>
                 <a:sym typeface="Calibri"/>
               </a:rPr>
-              <a:t>The team applied their method to the Qwen2.5-32B-Instruct model, leveraging both SFT and LoRA fine-tuning to achieve substantial performance improvements. </a:t>
+              <a:t>The team applied their method to the </a:t>
+            </a:r>
+            <a:r>
+              <a:rPr lang="en" sz="1200" b="1">
+                <a:solidFill>
+                  <a:srgbClr val="3C78D8"/>
+                </a:solidFill>
+                <a:latin typeface="Calibri"/>
+                <a:ea typeface="Calibri"/>
+                <a:cs typeface="Calibri"/>
+                <a:sym typeface="Calibri"/>
+              </a:rPr>
+              <a:t>Qwen2.5-32B-Instruct</a:t>
+            </a:r>
+            <a:r>
+              <a:rPr lang="en" sz="1200">
+                <a:solidFill>
+                  <a:schemeClr val="dk1"/>
+                </a:solidFill>
+                <a:latin typeface="Calibri"/>
+                <a:ea typeface="Calibri"/>
+                <a:cs typeface="Calibri"/>
+                <a:sym typeface="Calibri"/>
+              </a:rPr>
+              <a:t> model, leveraging both SFT and LoRA fine-tuning to achieve substantial performance improvements. </a:t>
             </a:r>
             <a:endParaRPr sz="1200">
               <a:solidFill>
@@ -21141,6 +21607,84 @@
           </a:p>
         </p:txBody>
       </p:sp>
+      <p:pic>
+        <p:nvPicPr>
+          <p:cNvPr id="128" name="Google Shape;128;p21"/>
+          <p:cNvPicPr preferRelativeResize="0"/>
+          <p:nvPr/>
+        </p:nvPicPr>
+        <p:blipFill>
+          <a:blip r:embed="rId9" cstate="email">
+            <a:alphaModFix/>
+            <a:extLst>
+              <a:ext uri="{28A0092B-C50C-407E-A947-70E740481C1C}">
+                <a14:useLocalDpi xmlns:a14="http://schemas.microsoft.com/office/drawing/2010/main"/>
+              </a:ext>
+            </a:extLst>
+          </a:blip>
+          <a:stretch>
+            <a:fillRect/>
+          </a:stretch>
+        </p:blipFill>
+        <p:spPr>
+          <a:xfrm>
+            <a:off x="4773967" y="68725"/>
+            <a:ext cx="4316533" cy="2184507"/>
+          </a:xfrm>
+          <a:prstGeom prst="rect">
+            <a:avLst/>
+          </a:prstGeom>
+          <a:noFill/>
+          <a:ln w="9525" cap="flat" cmpd="sng">
+            <a:solidFill>
+              <a:srgbClr val="FF0000"/>
+            </a:solidFill>
+            <a:prstDash val="solid"/>
+            <a:round/>
+            <a:headEnd type="none" w="sm" len="sm"/>
+            <a:tailEnd type="none" w="sm" len="sm"/>
+          </a:ln>
+        </p:spPr>
+      </p:pic>
+      <p:pic>
+        <p:nvPicPr>
+          <p:cNvPr id="129" name="Google Shape;129;p21"/>
+          <p:cNvPicPr preferRelativeResize="0"/>
+          <p:nvPr/>
+        </p:nvPicPr>
+        <p:blipFill>
+          <a:blip r:embed="rId10" cstate="email">
+            <a:alphaModFix/>
+            <a:extLst>
+              <a:ext uri="{28A0092B-C50C-407E-A947-70E740481C1C}">
+                <a14:useLocalDpi xmlns:a14="http://schemas.microsoft.com/office/drawing/2010/main"/>
+              </a:ext>
+            </a:extLst>
+          </a:blip>
+          <a:stretch>
+            <a:fillRect/>
+          </a:stretch>
+        </p:blipFill>
+        <p:spPr>
+          <a:xfrm>
+            <a:off x="4743517" y="3067482"/>
+            <a:ext cx="4316532" cy="1990634"/>
+          </a:xfrm>
+          <a:prstGeom prst="rect">
+            <a:avLst/>
+          </a:prstGeom>
+          <a:noFill/>
+          <a:ln w="9525" cap="flat" cmpd="sng">
+            <a:solidFill>
+              <a:srgbClr val="FF0000"/>
+            </a:solidFill>
+            <a:prstDash val="solid"/>
+            <a:round/>
+            <a:headEnd type="none" w="sm" len="sm"/>
+            <a:tailEnd type="none" w="sm" len="sm"/>
+          </a:ln>
+        </p:spPr>
+      </p:pic>
     </p:spTree>
   </p:cSld>
   <p:clrMapOvr>
@@ -21154,7 +21698,7 @@
   <p:cSld>
     <p:spTree>
       <p:nvGrpSpPr>
-        <p:cNvPr id="1" name="Shape 127"/>
+        <p:cNvPr id="1" name="Shape 133"/>
         <p:cNvGrpSpPr/>
         <p:nvPr/>
       </p:nvGrpSpPr>
@@ -21168,7 +21712,7 @@
       </p:grpSpPr>
       <p:sp>
         <p:nvSpPr>
-          <p:cNvPr id="128" name="Google Shape;128;p22"/>
+          <p:cNvPr id="134" name="Google Shape;134;p22"/>
           <p:cNvSpPr txBox="1"/>
           <p:nvPr/>
         </p:nvSpPr>
@@ -21231,7 +21775,7 @@
       </p:sp>
       <p:sp>
         <p:nvSpPr>
-          <p:cNvPr id="129" name="Google Shape;129;p22"/>
+          <p:cNvPr id="135" name="Google Shape;135;p22"/>
           <p:cNvSpPr txBox="1"/>
           <p:nvPr/>
         </p:nvSpPr>
@@ -21364,7 +21908,7 @@
       </p:sp>
       <p:sp>
         <p:nvSpPr>
-          <p:cNvPr id="130" name="Google Shape;130;p22"/>
+          <p:cNvPr id="136" name="Google Shape;136;p22"/>
           <p:cNvSpPr txBox="1"/>
           <p:nvPr/>
         </p:nvSpPr>
@@ -21522,7 +22066,7 @@
       </p:sp>
       <p:sp>
         <p:nvSpPr>
-          <p:cNvPr id="131" name="Google Shape;131;p22"/>
+          <p:cNvPr id="137" name="Google Shape;137;p22"/>
           <p:cNvSpPr txBox="1"/>
           <p:nvPr/>
         </p:nvSpPr>
@@ -21730,7 +22274,7 @@
       </p:sp>
       <p:sp>
         <p:nvSpPr>
-          <p:cNvPr id="132" name="Google Shape;132;p22"/>
+          <p:cNvPr id="138" name="Google Shape;138;p22"/>
           <p:cNvSpPr txBox="1"/>
           <p:nvPr/>
         </p:nvSpPr>
@@ -21899,6 +22443,149 @@
           </a:p>
         </p:txBody>
       </p:sp>
+      <p:sp>
+        <p:nvSpPr>
+          <p:cNvPr id="139" name="Google Shape;139;p22"/>
+          <p:cNvSpPr txBox="1"/>
+          <p:nvPr/>
+        </p:nvSpPr>
+        <p:spPr>
+          <a:xfrm>
+            <a:off x="5689750" y="3439900"/>
+            <a:ext cx="3048000" cy="664800"/>
+          </a:xfrm>
+          <a:prstGeom prst="rect">
+            <a:avLst/>
+          </a:prstGeom>
+          <a:solidFill>
+            <a:srgbClr val="FFF2CC"/>
+          </a:solidFill>
+          <a:ln w="9525" cap="flat" cmpd="sng">
+            <a:solidFill>
+              <a:srgbClr val="FF0000"/>
+            </a:solidFill>
+            <a:prstDash val="solid"/>
+            <a:round/>
+            <a:headEnd type="none" w="sm" len="sm"/>
+            <a:tailEnd type="none" w="sm" len="sm"/>
+          </a:ln>
+        </p:spPr>
+        <p:txBody>
+          <a:bodyPr spcFirstLastPara="1" wrap="square" lIns="9125" tIns="9125" rIns="9125" bIns="9125" anchor="t" anchorCtr="0">
+            <a:spAutoFit/>
+          </a:bodyPr>
+          <a:lstStyle/>
+          <a:p>
+            <a:pPr marL="0" lvl="0" indent="0" algn="l" rtl="0">
+              <a:spcBef>
+                <a:spcPts val="0"/>
+              </a:spcBef>
+              <a:spcAft>
+                <a:spcPts val="0"/>
+              </a:spcAft>
+              <a:buNone/>
+            </a:pPr>
+            <a:r>
+              <a:rPr lang="en" sz="1200" b="1">
+                <a:solidFill>
+                  <a:srgbClr val="FF0000"/>
+                </a:solidFill>
+                <a:latin typeface="Calibri"/>
+                <a:ea typeface="Calibri"/>
+                <a:cs typeface="Calibri"/>
+                <a:sym typeface="Calibri"/>
+              </a:rPr>
+              <a:t>Figure’s humanoid robot takes voice orders to help around the house</a:t>
+            </a:r>
+            <a:endParaRPr sz="1200" b="1">
+              <a:solidFill>
+                <a:srgbClr val="FF0000"/>
+              </a:solidFill>
+              <a:latin typeface="Calibri"/>
+              <a:ea typeface="Calibri"/>
+              <a:cs typeface="Calibri"/>
+              <a:sym typeface="Calibri"/>
+            </a:endParaRPr>
+          </a:p>
+          <a:p>
+            <a:pPr marL="0" lvl="0" indent="0" algn="l" rtl="0">
+              <a:spcBef>
+                <a:spcPts val="0"/>
+              </a:spcBef>
+              <a:spcAft>
+                <a:spcPts val="0"/>
+              </a:spcAft>
+              <a:buNone/>
+            </a:pPr>
+            <a:r>
+              <a:rPr lang="en" sz="900" u="sng">
+                <a:solidFill>
+                  <a:schemeClr val="hlink"/>
+                </a:solidFill>
+                <a:latin typeface="Calibri"/>
+                <a:ea typeface="Calibri"/>
+                <a:cs typeface="Calibri"/>
+                <a:sym typeface="Calibri"/>
+                <a:hlinkClick r:id="rId8"/>
+              </a:rPr>
+              <a:t>https://techcrunch.com/2025/02/20/figures-humanoid-robot-takes-voice-orders-to-help-around-the-house/</a:t>
+            </a:r>
+            <a:r>
+              <a:rPr lang="en" sz="900">
+                <a:latin typeface="Calibri"/>
+                <a:ea typeface="Calibri"/>
+                <a:cs typeface="Calibri"/>
+                <a:sym typeface="Calibri"/>
+              </a:rPr>
+              <a:t> </a:t>
+            </a:r>
+            <a:endParaRPr sz="900">
+              <a:latin typeface="Calibri"/>
+              <a:ea typeface="Calibri"/>
+              <a:cs typeface="Calibri"/>
+              <a:sym typeface="Calibri"/>
+            </a:endParaRPr>
+          </a:p>
+        </p:txBody>
+      </p:sp>
+      <p:pic>
+        <p:nvPicPr>
+          <p:cNvPr id="140" name="Google Shape;140;p22"/>
+          <p:cNvPicPr preferRelativeResize="0"/>
+          <p:nvPr/>
+        </p:nvPicPr>
+        <p:blipFill rotWithShape="1">
+          <a:blip r:embed="rId9" cstate="email">
+            <a:alphaModFix/>
+            <a:extLst>
+              <a:ext uri="{28A0092B-C50C-407E-A947-70E740481C1C}">
+                <a14:useLocalDpi xmlns:a14="http://schemas.microsoft.com/office/drawing/2010/main"/>
+              </a:ext>
+            </a:extLst>
+          </a:blip>
+          <a:srcRect/>
+          <a:stretch/>
+        </p:blipFill>
+        <p:spPr>
+          <a:xfrm>
+            <a:off x="5689750" y="1560958"/>
+            <a:ext cx="3048003" cy="1796418"/>
+          </a:xfrm>
+          <a:prstGeom prst="rect">
+            <a:avLst/>
+          </a:prstGeom>
+          <a:noFill/>
+          <a:ln w="9525" cap="flat" cmpd="sng">
+            <a:solidFill>
+              <a:srgbClr val="FF0000"/>
+            </a:solidFill>
+            <a:prstDash val="solid"/>
+            <a:round/>
+            <a:headEnd type="none" w="sm" len="sm"/>
+            <a:tailEnd type="none" w="sm" len="sm"/>
+          </a:ln>
+        </p:spPr>
+      </p:pic>
     </p:spTree>
   </p:cSld>
   <p:clrMapOvr>
@@ -21912,7 +22599,7 @@
   <p:cSld>
     <p:spTree>
       <p:nvGrpSpPr>
-        <p:cNvPr id="1" name="Shape 136"/>
+        <p:cNvPr id="1" name="Shape 144"/>
         <p:cNvGrpSpPr/>
         <p:nvPr/>
       </p:nvGrpSpPr>
@@ -21926,7 +22613,7 @@
       </p:grpSpPr>
       <p:sp>
         <p:nvSpPr>
-          <p:cNvPr id="137" name="Google Shape;137;p23"/>
+          <p:cNvPr id="145" name="Google Shape;145;p23"/>
           <p:cNvSpPr txBox="1"/>
           <p:nvPr/>
         </p:nvSpPr>
@@ -21989,7 +22676,7 @@
       </p:sp>
       <p:sp>
         <p:nvSpPr>
-          <p:cNvPr id="138" name="Google Shape;138;p23"/>
+          <p:cNvPr id="146" name="Google Shape;146;p23"/>
           <p:cNvSpPr txBox="1"/>
           <p:nvPr/>
         </p:nvSpPr>
@@ -22366,7 +23053,7 @@
       </p:sp>
       <p:pic>
         <p:nvPicPr>
-          <p:cNvPr id="139" name="Google Shape;139;p23"/>
+          <p:cNvPr id="147" name="Google Shape;147;p23"/>
           <p:cNvPicPr preferRelativeResize="0"/>
           <p:nvPr/>
         </p:nvPicPr>
@@ -22405,7 +23092,7 @@
       </p:pic>
       <p:sp>
         <p:nvSpPr>
-          <p:cNvPr id="140" name="Google Shape;140;p23"/>
+          <p:cNvPr id="148" name="Google Shape;148;p23"/>
           <p:cNvSpPr txBox="1"/>
           <p:nvPr/>
         </p:nvSpPr>
@@ -22520,7 +23207,7 @@
       </p:sp>
       <p:pic>
         <p:nvPicPr>
-          <p:cNvPr id="141" name="Google Shape;141;p23"/>
+          <p:cNvPr id="149" name="Google Shape;149;p23"/>
           <p:cNvPicPr preferRelativeResize="0"/>
           <p:nvPr/>
         </p:nvPicPr>
@@ -22558,7 +23245,7 @@
       </p:pic>
       <p:sp>
         <p:nvSpPr>
-          <p:cNvPr id="142" name="Google Shape;142;p23"/>
+          <p:cNvPr id="150" name="Google Shape;150;p23"/>
           <p:cNvSpPr txBox="1"/>
           <p:nvPr/>
         </p:nvSpPr>
